--- a/BONDED WAREHOUSE UDF.pptx
+++ b/BONDED WAREHOUSE UDF.pptx
@@ -301,7 +301,7 @@
           <a:p>
             <a:fld id="{4AAD347D-5ACD-4C99-B74B-A9C85AD731AF}" type="datetimeFigureOut">
               <a:rPr lang="en-US" dirty="0"/>
-              <a:t>3/16/2024</a:t>
+              <a:t>3/23/2024</a:t>
             </a:fld>
             <a:endParaRPr lang="en-US" dirty="0"/>
           </a:p>
@@ -571,7 +571,7 @@
           <a:p>
             <a:fld id="{4509A250-FF31-4206-8172-F9D3106AACB1}" type="datetimeFigureOut">
               <a:rPr lang="en-US" dirty="0"/>
-              <a:t>3/16/2024</a:t>
+              <a:t>3/23/2024</a:t>
             </a:fld>
             <a:endParaRPr lang="en-US" dirty="0"/>
           </a:p>
@@ -760,7 +760,7 @@
           <a:p>
             <a:fld id="{4509A250-FF31-4206-8172-F9D3106AACB1}" type="datetimeFigureOut">
               <a:rPr lang="en-US" dirty="0"/>
-              <a:t>3/16/2024</a:t>
+              <a:t>3/23/2024</a:t>
             </a:fld>
             <a:endParaRPr lang="en-US" dirty="0"/>
           </a:p>
@@ -1028,7 +1028,7 @@
           <a:p>
             <a:fld id="{4509A250-FF31-4206-8172-F9D3106AACB1}" type="datetimeFigureOut">
               <a:rPr lang="en-US" dirty="0"/>
-              <a:t>3/16/2024</a:t>
+              <a:t>3/23/2024</a:t>
             </a:fld>
             <a:endParaRPr lang="en-US" dirty="0"/>
           </a:p>
@@ -1364,7 +1364,7 @@
           <a:p>
             <a:fld id="{4509A250-FF31-4206-8172-F9D3106AACB1}" type="datetimeFigureOut">
               <a:rPr lang="en-US" dirty="0"/>
-              <a:t>3/16/2024</a:t>
+              <a:t>3/23/2024</a:t>
             </a:fld>
             <a:endParaRPr lang="en-US" dirty="0"/>
           </a:p>
@@ -1982,7 +1982,7 @@
           <a:p>
             <a:fld id="{4509A250-FF31-4206-8172-F9D3106AACB1}" type="datetimeFigureOut">
               <a:rPr lang="en-US" dirty="0"/>
-              <a:t>3/16/2024</a:t>
+              <a:t>3/23/2024</a:t>
             </a:fld>
             <a:endParaRPr lang="en-US" dirty="0"/>
           </a:p>
@@ -2837,7 +2837,7 @@
           <a:p>
             <a:fld id="{4509A250-FF31-4206-8172-F9D3106AACB1}" type="datetimeFigureOut">
               <a:rPr lang="en-US" dirty="0"/>
-              <a:t>3/16/2024</a:t>
+              <a:t>3/23/2024</a:t>
             </a:fld>
             <a:endParaRPr lang="en-US" dirty="0"/>
           </a:p>
@@ -3002,7 +3002,7 @@
           <a:p>
             <a:fld id="{4509A250-FF31-4206-8172-F9D3106AACB1}" type="datetimeFigureOut">
               <a:rPr lang="en-US" dirty="0"/>
-              <a:t>3/16/2024</a:t>
+              <a:t>3/23/2024</a:t>
             </a:fld>
             <a:endParaRPr lang="en-US" dirty="0"/>
           </a:p>
@@ -3177,7 +3177,7 @@
           <a:p>
             <a:fld id="{4509A250-FF31-4206-8172-F9D3106AACB1}" type="datetimeFigureOut">
               <a:rPr lang="en-US" dirty="0"/>
-              <a:t>3/16/2024</a:t>
+              <a:t>3/23/2024</a:t>
             </a:fld>
             <a:endParaRPr lang="en-US" dirty="0"/>
           </a:p>
@@ -3342,7 +3342,7 @@
           <a:p>
             <a:fld id="{4509A250-FF31-4206-8172-F9D3106AACB1}" type="datetimeFigureOut">
               <a:rPr lang="en-US" dirty="0"/>
-              <a:t>3/16/2024</a:t>
+              <a:t>3/23/2024</a:t>
             </a:fld>
             <a:endParaRPr lang="en-US" dirty="0"/>
           </a:p>
@@ -3584,7 +3584,7 @@
           <a:p>
             <a:fld id="{9796027F-7875-4030-9381-8BD8C4F21935}" type="datetimeFigureOut">
               <a:rPr lang="en-US" dirty="0"/>
-              <a:t>3/16/2024</a:t>
+              <a:t>3/23/2024</a:t>
             </a:fld>
             <a:endParaRPr lang="en-US" dirty="0"/>
           </a:p>
@@ -3871,7 +3871,7 @@
           <a:p>
             <a:fld id="{9796027F-7875-4030-9381-8BD8C4F21935}" type="datetimeFigureOut">
               <a:rPr lang="en-US" dirty="0"/>
-              <a:t>3/16/2024</a:t>
+              <a:t>3/23/2024</a:t>
             </a:fld>
             <a:endParaRPr lang="en-US" dirty="0"/>
           </a:p>
@@ -4310,7 +4310,7 @@
           <a:p>
             <a:fld id="{9796027F-7875-4030-9381-8BD8C4F21935}" type="datetimeFigureOut">
               <a:rPr lang="en-US" dirty="0"/>
-              <a:t>3/16/2024</a:t>
+              <a:t>3/23/2024</a:t>
             </a:fld>
             <a:endParaRPr lang="en-US" dirty="0"/>
           </a:p>
@@ -4423,7 +4423,7 @@
           <a:p>
             <a:fld id="{4509A250-FF31-4206-8172-F9D3106AACB1}" type="datetimeFigureOut">
               <a:rPr lang="en-US" dirty="0"/>
-              <a:t>3/16/2024</a:t>
+              <a:t>3/23/2024</a:t>
             </a:fld>
             <a:endParaRPr lang="en-US" dirty="0"/>
           </a:p>
@@ -4513,7 +4513,7 @@
           <a:p>
             <a:fld id="{4509A250-FF31-4206-8172-F9D3106AACB1}" type="datetimeFigureOut">
               <a:rPr lang="en-US" dirty="0"/>
-              <a:t>3/16/2024</a:t>
+              <a:t>3/23/2024</a:t>
             </a:fld>
             <a:endParaRPr lang="en-US" dirty="0"/>
           </a:p>
@@ -4787,7 +4787,7 @@
           <a:p>
             <a:fld id="{4509A250-FF31-4206-8172-F9D3106AACB1}" type="datetimeFigureOut">
               <a:rPr lang="en-US" dirty="0"/>
-              <a:t>3/16/2024</a:t>
+              <a:t>3/23/2024</a:t>
             </a:fld>
             <a:endParaRPr lang="en-US" dirty="0"/>
           </a:p>
@@ -5057,7 +5057,7 @@
           <a:p>
             <a:fld id="{4509A250-FF31-4206-8172-F9D3106AACB1}" type="datetimeFigureOut">
               <a:rPr lang="en-US" dirty="0"/>
-              <a:t>3/16/2024</a:t>
+              <a:t>3/23/2024</a:t>
             </a:fld>
             <a:endParaRPr lang="en-US" dirty="0"/>
           </a:p>
@@ -5481,7 +5481,7 @@
           <a:p>
             <a:fld id="{4AAD347D-5ACD-4C99-B74B-A9C85AD731AF}" type="datetimeFigureOut">
               <a:rPr lang="en-US" dirty="0"/>
-              <a:t>3/16/2024</a:t>
+              <a:t>3/23/2024</a:t>
             </a:fld>
             <a:endParaRPr lang="en-US" dirty="0"/>
           </a:p>
@@ -6111,7 +6111,7 @@
               <a:rPr lang="en-US" sz="5400" dirty="0" smtClean="0">
                 <a:latin typeface="Arial Black" panose="020B0A04020102020204" pitchFamily="34" charset="0"/>
               </a:rPr>
-              <a:t>1.) JOB ORDER</a:t>
+              <a:t>1. JOB ORDER</a:t>
             </a:r>
             <a:endParaRPr lang="en-US" sz="5400" dirty="0">
               <a:latin typeface="Arial Black" panose="020B0A04020102020204" pitchFamily="34" charset="0"/>
@@ -6214,16 +6214,10 @@
           </a:lstStyle>
           <a:p>
             <a:r>
-              <a:rPr lang="en-US" sz="5400" dirty="0">
-                <a:latin typeface="Arial Black" panose="020B0A04020102020204" pitchFamily="34" charset="0"/>
-              </a:rPr>
-              <a:t>2</a:t>
-            </a:r>
-            <a:r>
               <a:rPr lang="en-US" sz="5400" dirty="0" smtClean="0">
                 <a:latin typeface="Arial Black" panose="020B0A04020102020204" pitchFamily="34" charset="0"/>
               </a:rPr>
-              <a:t>.) CHECK BY</a:t>
+              <a:t>2. CHECK BY</a:t>
             </a:r>
             <a:endParaRPr lang="en-US" sz="5400" dirty="0">
               <a:latin typeface="Arial Black" panose="020B0A04020102020204" pitchFamily="34" charset="0"/>
@@ -6335,7 +6329,7 @@
               <a:rPr lang="en-US" sz="5400" dirty="0" smtClean="0">
                 <a:latin typeface="Arial Black" panose="020B0A04020102020204" pitchFamily="34" charset="0"/>
               </a:rPr>
-              <a:t>.) OWNER</a:t>
+              <a:t>. OWNER</a:t>
             </a:r>
             <a:endParaRPr lang="en-US" sz="5400" dirty="0">
               <a:latin typeface="Arial Black" panose="020B0A04020102020204" pitchFamily="34" charset="0"/>
@@ -6438,16 +6432,10 @@
           </a:lstStyle>
           <a:p>
             <a:r>
-              <a:rPr lang="en-US" sz="5400" dirty="0">
-                <a:latin typeface="Arial Black" panose="020B0A04020102020204" pitchFamily="34" charset="0"/>
-              </a:rPr>
-              <a:t>4</a:t>
-            </a:r>
-            <a:r>
               <a:rPr lang="en-US" sz="5400" dirty="0" smtClean="0">
                 <a:latin typeface="Arial Black" panose="020B0A04020102020204" pitchFamily="34" charset="0"/>
               </a:rPr>
-              <a:t>.) DATE RECEIVED</a:t>
+              <a:t>4. DATE RECEIVED</a:t>
             </a:r>
             <a:endParaRPr lang="en-US" sz="5400" dirty="0">
               <a:latin typeface="Arial Black" panose="020B0A04020102020204" pitchFamily="34" charset="0"/>
@@ -6559,7 +6547,7 @@
               <a:rPr lang="en-US" sz="5400" dirty="0" smtClean="0">
                 <a:latin typeface="Arial Black" panose="020B0A04020102020204" pitchFamily="34" charset="0"/>
               </a:rPr>
-              <a:t>.) DELIVERY TYPE</a:t>
+              <a:t>. DELIVERY TYPE</a:t>
             </a:r>
             <a:endParaRPr lang="en-US" sz="5400" dirty="0">
               <a:latin typeface="Arial Black" panose="020B0A04020102020204" pitchFamily="34" charset="0"/>
@@ -7122,7 +7110,7 @@
               <a:rPr lang="en-US" sz="5400" dirty="0" smtClean="0">
                 <a:latin typeface="Arial Black" panose="020B0A04020102020204" pitchFamily="34" charset="0"/>
               </a:rPr>
-              <a:t>.) MANUAL DOC SERIES</a:t>
+              <a:t>. MANUAL DOC SERIES</a:t>
             </a:r>
             <a:endParaRPr lang="en-US" sz="5400" dirty="0">
               <a:latin typeface="Arial Black" panose="020B0A04020102020204" pitchFamily="34" charset="0"/>
@@ -7141,7 +7129,7 @@
         <p:spPr>
           <a:xfrm>
             <a:off x="875211" y="1994262"/>
-            <a:ext cx="6858001" cy="806272"/>
+            <a:ext cx="9927772" cy="806272"/>
           </a:xfrm>
           <a:prstGeom prst="rect">
             <a:avLst/>
@@ -7228,7 +7216,13 @@
               <a:rPr lang="en-US" sz="5400" dirty="0" smtClean="0">
                 <a:latin typeface="Arial Black" panose="020B0A04020102020204" pitchFamily="34" charset="0"/>
               </a:rPr>
-              <a:t>7.) REASON ITR</a:t>
+              <a:t>7. REASON </a:t>
+            </a:r>
+            <a:r>
+              <a:rPr lang="en-US" sz="5400" dirty="0" smtClean="0">
+                <a:latin typeface="Arial Black" panose="020B0A04020102020204" pitchFamily="34" charset="0"/>
+              </a:rPr>
+              <a:t>FOR ITR</a:t>
             </a:r>
             <a:endParaRPr lang="en-US" sz="5400" dirty="0">
               <a:latin typeface="Arial Black" panose="020B0A04020102020204" pitchFamily="34" charset="0"/>
@@ -7334,7 +7328,19 @@
               <a:rPr lang="en-US" sz="5400" dirty="0" smtClean="0">
                 <a:latin typeface="Arial Black" panose="020B0A04020102020204" pitchFamily="34" charset="0"/>
               </a:rPr>
-              <a:t>8.) MANUAL JOB #</a:t>
+              <a:t>8. MANUAL </a:t>
+            </a:r>
+            <a:r>
+              <a:rPr lang="en-US" sz="5400" smtClean="0">
+                <a:latin typeface="Arial Black" panose="020B0A04020102020204" pitchFamily="34" charset="0"/>
+              </a:rPr>
+              <a:t>JOB </a:t>
+            </a:r>
+            <a:r>
+              <a:rPr lang="en-US" sz="5400" smtClean="0">
+                <a:latin typeface="Arial Black" panose="020B0A04020102020204" pitchFamily="34" charset="0"/>
+              </a:rPr>
+              <a:t>NO.</a:t>
             </a:r>
             <a:endParaRPr lang="en-US" sz="5400" dirty="0">
               <a:latin typeface="Arial Black" panose="020B0A04020102020204" pitchFamily="34" charset="0"/>
@@ -7440,7 +7446,7 @@
               <a:rPr lang="en-US" sz="5400" dirty="0" smtClean="0">
                 <a:latin typeface="Arial Black" panose="020B0A04020102020204" pitchFamily="34" charset="0"/>
               </a:rPr>
-              <a:t>9.) ICD STAFF</a:t>
+              <a:t>9. ICD STAFF</a:t>
             </a:r>
             <a:endParaRPr lang="en-US" sz="5400" dirty="0">
               <a:latin typeface="Arial Black" panose="020B0A04020102020204" pitchFamily="34" charset="0"/>
@@ -7546,7 +7552,25 @@
               <a:rPr lang="en-US" sz="5400" dirty="0" smtClean="0">
                 <a:latin typeface="Arial Black" panose="020B0A04020102020204" pitchFamily="34" charset="0"/>
               </a:rPr>
-              <a:t>10.) OC MANAGER</a:t>
+              <a:t>10. </a:t>
+            </a:r>
+            <a:r>
+              <a:rPr lang="en-US" sz="5400">
+                <a:latin typeface="Arial Black" panose="020B0A04020102020204" pitchFamily="34" charset="0"/>
+              </a:rPr>
+              <a:t>C</a:t>
+            </a:r>
+            <a:r>
+              <a:rPr lang="en-US" sz="5400" smtClean="0">
+                <a:latin typeface="Arial Black" panose="020B0A04020102020204" pitchFamily="34" charset="0"/>
+              </a:rPr>
+              <a:t>C </a:t>
+            </a:r>
+            <a:r>
+              <a:rPr lang="en-US" sz="5400" dirty="0" smtClean="0">
+                <a:latin typeface="Arial Black" panose="020B0A04020102020204" pitchFamily="34" charset="0"/>
+              </a:rPr>
+              <a:t>MANAGER</a:t>
             </a:r>
             <a:endParaRPr lang="en-US" sz="5400" dirty="0">
               <a:latin typeface="Arial Black" panose="020B0A04020102020204" pitchFamily="34" charset="0"/>

--- a/BONDED WAREHOUSE UDF.pptx
+++ b/BONDED WAREHOUSE UDF.pptx
@@ -5,10 +5,12 @@
     <p:sldMasterId id="2147483648" r:id="rId1"/>
   </p:sldMasterIdLst>
   <p:sldIdLst>
-    <p:sldId id="256" r:id="rId2"/>
-    <p:sldId id="258" r:id="rId3"/>
-    <p:sldId id="269" r:id="rId4"/>
-    <p:sldId id="268" r:id="rId5"/>
+    <p:sldId id="270" r:id="rId2"/>
+    <p:sldId id="271" r:id="rId3"/>
+    <p:sldId id="272" r:id="rId4"/>
+    <p:sldId id="274" r:id="rId5"/>
+    <p:sldId id="275" r:id="rId6"/>
+    <p:sldId id="268" r:id="rId7"/>
   </p:sldIdLst>
   <p:sldSz cx="12192000" cy="6858000"/>
   <p:notesSz cx="6858000" cy="9144000"/>
@@ -6017,8 +6019,8 @@
         </p:nvSpPr>
         <p:spPr>
           <a:xfrm>
-            <a:off x="0" y="1447800"/>
-            <a:ext cx="12192000" cy="3329581"/>
+            <a:off x="0" y="1378857"/>
+            <a:ext cx="12192000" cy="1030514"/>
           </a:xfrm>
         </p:spPr>
         <p:txBody>
@@ -6027,21 +6029,449 @@
           <a:p>
             <a:pPr algn="ctr"/>
             <a:r>
-              <a:rPr lang="en-US" dirty="0" smtClean="0">
+              <a:rPr lang="en-US" sz="6600" dirty="0">
+                <a:solidFill>
+                  <a:srgbClr val="EBEBEB"/>
+                </a:solidFill>
                 <a:latin typeface="Arial Black" panose="020B0A04020102020204" pitchFamily="34" charset="0"/>
               </a:rPr>
-              <a:t>BONDED WAREHOUSE UDF</a:t>
-            </a:r>
-            <a:endParaRPr lang="en-US" dirty="0">
+              <a:t>INVENTORY TRANSFER</a:t>
+            </a:r>
+            <a:endParaRPr lang="en-US" sz="6600" dirty="0">
               <a:latin typeface="Arial Black" panose="020B0A04020102020204" pitchFamily="34" charset="0"/>
             </a:endParaRPr>
+          </a:p>
+        </p:txBody>
+      </p:sp>
+      <p:sp>
+        <p:nvSpPr>
+          <p:cNvPr id="4" name="Title 1"/>
+          <p:cNvSpPr txBox="1">
+            <a:spLocks/>
+          </p:cNvSpPr>
+          <p:nvPr/>
+        </p:nvSpPr>
+        <p:spPr>
+          <a:xfrm>
+            <a:off x="0" y="2409371"/>
+            <a:ext cx="12192000" cy="1030514"/>
+          </a:xfrm>
+          <a:prstGeom prst="rect">
+            <a:avLst/>
+          </a:prstGeom>
+        </p:spPr>
+        <p:txBody>
+          <a:bodyPr vert="horz" lIns="91440" tIns="45720" rIns="91440" bIns="45720" rtlCol="0" anchor="b">
+            <a:noAutofit/>
+          </a:bodyPr>
+          <a:lstStyle>
+            <a:lvl1pPr algn="l" defTabSz="457200" rtl="0" eaLnBrk="1" latinLnBrk="0" hangingPunct="1">
+              <a:spcBef>
+                <a:spcPct val="0"/>
+              </a:spcBef>
+              <a:buNone/>
+              <a:defRPr sz="7200" b="0" i="0" kern="1200">
+                <a:solidFill>
+                  <a:schemeClr val="tx2"/>
+                </a:solidFill>
+                <a:latin typeface="+mj-lt"/>
+                <a:ea typeface="+mj-ea"/>
+                <a:cs typeface="+mj-cs"/>
+              </a:defRPr>
+            </a:lvl1pPr>
+            <a:lvl2pPr eaLnBrk="1" hangingPunct="1">
+              <a:defRPr>
+                <a:solidFill>
+                  <a:schemeClr val="tx2"/>
+                </a:solidFill>
+              </a:defRPr>
+            </a:lvl2pPr>
+            <a:lvl3pPr eaLnBrk="1" hangingPunct="1">
+              <a:defRPr>
+                <a:solidFill>
+                  <a:schemeClr val="tx2"/>
+                </a:solidFill>
+              </a:defRPr>
+            </a:lvl3pPr>
+            <a:lvl4pPr eaLnBrk="1" hangingPunct="1">
+              <a:defRPr>
+                <a:solidFill>
+                  <a:schemeClr val="tx2"/>
+                </a:solidFill>
+              </a:defRPr>
+            </a:lvl4pPr>
+            <a:lvl5pPr eaLnBrk="1" hangingPunct="1">
+              <a:defRPr>
+                <a:solidFill>
+                  <a:schemeClr val="tx2"/>
+                </a:solidFill>
+              </a:defRPr>
+            </a:lvl5pPr>
+            <a:lvl6pPr eaLnBrk="1" hangingPunct="1">
+              <a:defRPr>
+                <a:solidFill>
+                  <a:schemeClr val="tx2"/>
+                </a:solidFill>
+              </a:defRPr>
+            </a:lvl6pPr>
+            <a:lvl7pPr eaLnBrk="1" hangingPunct="1">
+              <a:defRPr>
+                <a:solidFill>
+                  <a:schemeClr val="tx2"/>
+                </a:solidFill>
+              </a:defRPr>
+            </a:lvl7pPr>
+            <a:lvl8pPr eaLnBrk="1" hangingPunct="1">
+              <a:defRPr>
+                <a:solidFill>
+                  <a:schemeClr val="tx2"/>
+                </a:solidFill>
+              </a:defRPr>
+            </a:lvl8pPr>
+            <a:lvl9pPr eaLnBrk="1" hangingPunct="1">
+              <a:defRPr>
+                <a:solidFill>
+                  <a:schemeClr val="tx2"/>
+                </a:solidFill>
+              </a:defRPr>
+            </a:lvl9pPr>
+          </a:lstStyle>
+          <a:p>
+            <a:pPr algn="ctr"/>
+            <a:r>
+              <a:rPr lang="en-US" sz="6600" dirty="0">
+                <a:latin typeface="Arial Black" panose="020B0A04020102020204" pitchFamily="34" charset="0"/>
+              </a:rPr>
+              <a:t>BONDED </a:t>
+            </a:r>
+            <a:r>
+              <a:rPr lang="en-US" sz="6600" dirty="0" smtClean="0">
+                <a:latin typeface="Arial Black" panose="020B0A04020102020204" pitchFamily="34" charset="0"/>
+              </a:rPr>
+              <a:t>WAREHOUSE</a:t>
+            </a:r>
+            <a:endParaRPr lang="en-US" sz="6600" dirty="0">
+              <a:latin typeface="Arial Black" panose="020B0A04020102020204" pitchFamily="34" charset="0"/>
+            </a:endParaRPr>
+          </a:p>
+        </p:txBody>
+      </p:sp>
+      <p:sp>
+        <p:nvSpPr>
+          <p:cNvPr id="5" name="Title 1"/>
+          <p:cNvSpPr txBox="1">
+            <a:spLocks/>
+          </p:cNvSpPr>
+          <p:nvPr/>
+        </p:nvSpPr>
+        <p:spPr>
+          <a:xfrm>
+            <a:off x="0" y="3439885"/>
+            <a:ext cx="12192000" cy="1030514"/>
+          </a:xfrm>
+          <a:prstGeom prst="rect">
+            <a:avLst/>
+          </a:prstGeom>
+        </p:spPr>
+        <p:txBody>
+          <a:bodyPr vert="horz" lIns="91440" tIns="45720" rIns="91440" bIns="45720" rtlCol="0" anchor="b">
+            <a:noAutofit/>
+          </a:bodyPr>
+          <a:lstStyle>
+            <a:lvl1pPr algn="l" defTabSz="457200" rtl="0" eaLnBrk="1" latinLnBrk="0" hangingPunct="1">
+              <a:spcBef>
+                <a:spcPct val="0"/>
+              </a:spcBef>
+              <a:buNone/>
+              <a:defRPr sz="7200" b="0" i="0" kern="1200">
+                <a:solidFill>
+                  <a:schemeClr val="tx2"/>
+                </a:solidFill>
+                <a:latin typeface="+mj-lt"/>
+                <a:ea typeface="+mj-ea"/>
+                <a:cs typeface="+mj-cs"/>
+              </a:defRPr>
+            </a:lvl1pPr>
+            <a:lvl2pPr eaLnBrk="1" hangingPunct="1">
+              <a:defRPr>
+                <a:solidFill>
+                  <a:schemeClr val="tx2"/>
+                </a:solidFill>
+              </a:defRPr>
+            </a:lvl2pPr>
+            <a:lvl3pPr eaLnBrk="1" hangingPunct="1">
+              <a:defRPr>
+                <a:solidFill>
+                  <a:schemeClr val="tx2"/>
+                </a:solidFill>
+              </a:defRPr>
+            </a:lvl3pPr>
+            <a:lvl4pPr eaLnBrk="1" hangingPunct="1">
+              <a:defRPr>
+                <a:solidFill>
+                  <a:schemeClr val="tx2"/>
+                </a:solidFill>
+              </a:defRPr>
+            </a:lvl4pPr>
+            <a:lvl5pPr eaLnBrk="1" hangingPunct="1">
+              <a:defRPr>
+                <a:solidFill>
+                  <a:schemeClr val="tx2"/>
+                </a:solidFill>
+              </a:defRPr>
+            </a:lvl5pPr>
+            <a:lvl6pPr eaLnBrk="1" hangingPunct="1">
+              <a:defRPr>
+                <a:solidFill>
+                  <a:schemeClr val="tx2"/>
+                </a:solidFill>
+              </a:defRPr>
+            </a:lvl6pPr>
+            <a:lvl7pPr eaLnBrk="1" hangingPunct="1">
+              <a:defRPr>
+                <a:solidFill>
+                  <a:schemeClr val="tx2"/>
+                </a:solidFill>
+              </a:defRPr>
+            </a:lvl7pPr>
+            <a:lvl8pPr eaLnBrk="1" hangingPunct="1">
+              <a:defRPr>
+                <a:solidFill>
+                  <a:schemeClr val="tx2"/>
+                </a:solidFill>
+              </a:defRPr>
+            </a:lvl8pPr>
+            <a:lvl9pPr eaLnBrk="1" hangingPunct="1">
+              <a:defRPr>
+                <a:solidFill>
+                  <a:schemeClr val="tx2"/>
+                </a:solidFill>
+              </a:defRPr>
+            </a:lvl9pPr>
+          </a:lstStyle>
+          <a:p>
+            <a:pPr algn="ctr"/>
+            <a:r>
+              <a:rPr lang="en-US" sz="6600" dirty="0">
+                <a:latin typeface="Arial Black" panose="020B0A04020102020204" pitchFamily="34" charset="0"/>
+              </a:rPr>
+              <a:t>REQUIRED</a:t>
+            </a:r>
+          </a:p>
+        </p:txBody>
+      </p:sp>
+      <p:sp>
+        <p:nvSpPr>
+          <p:cNvPr id="6" name="Title 1"/>
+          <p:cNvSpPr txBox="1">
+            <a:spLocks/>
+          </p:cNvSpPr>
+          <p:nvPr/>
+        </p:nvSpPr>
+        <p:spPr>
+          <a:xfrm>
+            <a:off x="0" y="4470399"/>
+            <a:ext cx="12192000" cy="1030514"/>
+          </a:xfrm>
+          <a:prstGeom prst="rect">
+            <a:avLst/>
+          </a:prstGeom>
+        </p:spPr>
+        <p:txBody>
+          <a:bodyPr vert="horz" lIns="91440" tIns="45720" rIns="91440" bIns="45720" rtlCol="0" anchor="b">
+            <a:noAutofit/>
+          </a:bodyPr>
+          <a:lstStyle>
+            <a:lvl1pPr algn="l" defTabSz="457200" rtl="0" eaLnBrk="1" latinLnBrk="0" hangingPunct="1">
+              <a:spcBef>
+                <a:spcPct val="0"/>
+              </a:spcBef>
+              <a:buNone/>
+              <a:defRPr sz="7200" b="0" i="0" kern="1200">
+                <a:solidFill>
+                  <a:schemeClr val="tx2"/>
+                </a:solidFill>
+                <a:latin typeface="+mj-lt"/>
+                <a:ea typeface="+mj-ea"/>
+                <a:cs typeface="+mj-cs"/>
+              </a:defRPr>
+            </a:lvl1pPr>
+            <a:lvl2pPr eaLnBrk="1" hangingPunct="1">
+              <a:defRPr>
+                <a:solidFill>
+                  <a:schemeClr val="tx2"/>
+                </a:solidFill>
+              </a:defRPr>
+            </a:lvl2pPr>
+            <a:lvl3pPr eaLnBrk="1" hangingPunct="1">
+              <a:defRPr>
+                <a:solidFill>
+                  <a:schemeClr val="tx2"/>
+                </a:solidFill>
+              </a:defRPr>
+            </a:lvl3pPr>
+            <a:lvl4pPr eaLnBrk="1" hangingPunct="1">
+              <a:defRPr>
+                <a:solidFill>
+                  <a:schemeClr val="tx2"/>
+                </a:solidFill>
+              </a:defRPr>
+            </a:lvl4pPr>
+            <a:lvl5pPr eaLnBrk="1" hangingPunct="1">
+              <a:defRPr>
+                <a:solidFill>
+                  <a:schemeClr val="tx2"/>
+                </a:solidFill>
+              </a:defRPr>
+            </a:lvl5pPr>
+            <a:lvl6pPr eaLnBrk="1" hangingPunct="1">
+              <a:defRPr>
+                <a:solidFill>
+                  <a:schemeClr val="tx2"/>
+                </a:solidFill>
+              </a:defRPr>
+            </a:lvl6pPr>
+            <a:lvl7pPr eaLnBrk="1" hangingPunct="1">
+              <a:defRPr>
+                <a:solidFill>
+                  <a:schemeClr val="tx2"/>
+                </a:solidFill>
+              </a:defRPr>
+            </a:lvl7pPr>
+            <a:lvl8pPr eaLnBrk="1" hangingPunct="1">
+              <a:defRPr>
+                <a:solidFill>
+                  <a:schemeClr val="tx2"/>
+                </a:solidFill>
+              </a:defRPr>
+            </a:lvl8pPr>
+            <a:lvl9pPr eaLnBrk="1" hangingPunct="1">
+              <a:defRPr>
+                <a:solidFill>
+                  <a:schemeClr val="tx2"/>
+                </a:solidFill>
+              </a:defRPr>
+            </a:lvl9pPr>
+          </a:lstStyle>
+          <a:p>
+            <a:pPr algn="ctr"/>
+            <a:r>
+              <a:rPr lang="en-US" sz="6600" dirty="0">
+                <a:latin typeface="Arial Black" panose="020B0A04020102020204" pitchFamily="34" charset="0"/>
+              </a:rPr>
+              <a:t>USER DEFINED FIELD</a:t>
+            </a:r>
+          </a:p>
+        </p:txBody>
+      </p:sp>
+      <p:sp>
+        <p:nvSpPr>
+          <p:cNvPr id="7" name="Title 1"/>
+          <p:cNvSpPr txBox="1">
+            <a:spLocks/>
+          </p:cNvSpPr>
+          <p:nvPr/>
+        </p:nvSpPr>
+        <p:spPr>
+          <a:xfrm>
+            <a:off x="0" y="5500913"/>
+            <a:ext cx="12192000" cy="1030514"/>
+          </a:xfrm>
+          <a:prstGeom prst="rect">
+            <a:avLst/>
+          </a:prstGeom>
+        </p:spPr>
+        <p:txBody>
+          <a:bodyPr vert="horz" lIns="91440" tIns="45720" rIns="91440" bIns="45720" rtlCol="0" anchor="b">
+            <a:noAutofit/>
+          </a:bodyPr>
+          <a:lstStyle>
+            <a:lvl1pPr algn="l" defTabSz="457200" rtl="0" eaLnBrk="1" latinLnBrk="0" hangingPunct="1">
+              <a:spcBef>
+                <a:spcPct val="0"/>
+              </a:spcBef>
+              <a:buNone/>
+              <a:defRPr sz="7200" b="0" i="0" kern="1200">
+                <a:solidFill>
+                  <a:schemeClr val="tx2"/>
+                </a:solidFill>
+                <a:latin typeface="+mj-lt"/>
+                <a:ea typeface="+mj-ea"/>
+                <a:cs typeface="+mj-cs"/>
+              </a:defRPr>
+            </a:lvl1pPr>
+            <a:lvl2pPr eaLnBrk="1" hangingPunct="1">
+              <a:defRPr>
+                <a:solidFill>
+                  <a:schemeClr val="tx2"/>
+                </a:solidFill>
+              </a:defRPr>
+            </a:lvl2pPr>
+            <a:lvl3pPr eaLnBrk="1" hangingPunct="1">
+              <a:defRPr>
+                <a:solidFill>
+                  <a:schemeClr val="tx2"/>
+                </a:solidFill>
+              </a:defRPr>
+            </a:lvl3pPr>
+            <a:lvl4pPr eaLnBrk="1" hangingPunct="1">
+              <a:defRPr>
+                <a:solidFill>
+                  <a:schemeClr val="tx2"/>
+                </a:solidFill>
+              </a:defRPr>
+            </a:lvl4pPr>
+            <a:lvl5pPr eaLnBrk="1" hangingPunct="1">
+              <a:defRPr>
+                <a:solidFill>
+                  <a:schemeClr val="tx2"/>
+                </a:solidFill>
+              </a:defRPr>
+            </a:lvl5pPr>
+            <a:lvl6pPr eaLnBrk="1" hangingPunct="1">
+              <a:defRPr>
+                <a:solidFill>
+                  <a:schemeClr val="tx2"/>
+                </a:solidFill>
+              </a:defRPr>
+            </a:lvl6pPr>
+            <a:lvl7pPr eaLnBrk="1" hangingPunct="1">
+              <a:defRPr>
+                <a:solidFill>
+                  <a:schemeClr val="tx2"/>
+                </a:solidFill>
+              </a:defRPr>
+            </a:lvl7pPr>
+            <a:lvl8pPr eaLnBrk="1" hangingPunct="1">
+              <a:defRPr>
+                <a:solidFill>
+                  <a:schemeClr val="tx2"/>
+                </a:solidFill>
+              </a:defRPr>
+            </a:lvl8pPr>
+            <a:lvl9pPr eaLnBrk="1" hangingPunct="1">
+              <a:defRPr>
+                <a:solidFill>
+                  <a:schemeClr val="tx2"/>
+                </a:solidFill>
+              </a:defRPr>
+            </a:lvl9pPr>
+          </a:lstStyle>
+          <a:p>
+            <a:pPr algn="ctr"/>
+            <a:r>
+              <a:rPr lang="en-US" sz="6600" dirty="0">
+                <a:latin typeface="Arial Black" panose="020B0A04020102020204" pitchFamily="34" charset="0"/>
+              </a:rPr>
+              <a:t>(UDF)</a:t>
+            </a:r>
           </a:p>
         </p:txBody>
       </p:sp>
     </p:spTree>
     <p:extLst>
       <p:ext uri="{BB962C8B-B14F-4D97-AF65-F5344CB8AC3E}">
-        <p14:creationId xmlns:p14="http://schemas.microsoft.com/office/powerpoint/2010/main" val="3790355871"/>
+        <p14:creationId xmlns:p14="http://schemas.microsoft.com/office/powerpoint/2010/main" val="2641178178"/>
       </p:ext>
     </p:extLst>
   </p:cSld>
@@ -6060,514 +6490,6 @@
       </p:transition>
     </mc:Fallback>
   </mc:AlternateContent>
-  <p:timing>
-    <p:tnLst>
-      <p:par>
-        <p:cTn id="1" dur="indefinite" restart="never" nodeType="tmRoot"/>
-      </p:par>
-    </p:tnLst>
-  </p:timing>
-</p:sld>
-</file>
-
-<file path=ppt/slides/slide2.xml><?xml version="1.0" encoding="utf-8"?>
-<p:sld xmlns:a="http://schemas.openxmlformats.org/drawingml/2006/main" xmlns:r="http://schemas.openxmlformats.org/officeDocument/2006/relationships" xmlns:p="http://schemas.openxmlformats.org/presentationml/2006/main">
-  <p:cSld>
-    <p:spTree>
-      <p:nvGrpSpPr>
-        <p:cNvPr id="1" name=""/>
-        <p:cNvGrpSpPr/>
-        <p:nvPr/>
-      </p:nvGrpSpPr>
-      <p:grpSpPr>
-        <a:xfrm>
-          <a:off x="0" y="0"/>
-          <a:ext cx="0" cy="0"/>
-          <a:chOff x="0" y="0"/>
-          <a:chExt cx="0" cy="0"/>
-        </a:xfrm>
-      </p:grpSpPr>
-      <p:sp>
-        <p:nvSpPr>
-          <p:cNvPr id="2" name="Title 1"/>
-          <p:cNvSpPr>
-            <a:spLocks noGrp="1"/>
-          </p:cNvSpPr>
-          <p:nvPr>
-            <p:ph type="ctrTitle"/>
-          </p:nvPr>
-        </p:nvSpPr>
-        <p:spPr>
-          <a:xfrm>
-            <a:off x="875211" y="1097279"/>
-            <a:ext cx="6858001" cy="806272"/>
-          </a:xfrm>
-        </p:spPr>
-        <p:txBody>
-          <a:bodyPr anchor="b"/>
-          <a:lstStyle/>
-          <a:p>
-            <a:r>
-              <a:rPr lang="en-US" sz="5400" dirty="0" smtClean="0">
-                <a:latin typeface="Arial Black" panose="020B0A04020102020204" pitchFamily="34" charset="0"/>
-              </a:rPr>
-              <a:t>1. JOB ORDER</a:t>
-            </a:r>
-            <a:endParaRPr lang="en-US" sz="5400" dirty="0">
-              <a:latin typeface="Arial Black" panose="020B0A04020102020204" pitchFamily="34" charset="0"/>
-            </a:endParaRPr>
-          </a:p>
-        </p:txBody>
-      </p:sp>
-      <p:sp>
-        <p:nvSpPr>
-          <p:cNvPr id="3" name="Title 1"/>
-          <p:cNvSpPr txBox="1">
-            <a:spLocks/>
-          </p:cNvSpPr>
-          <p:nvPr/>
-        </p:nvSpPr>
-        <p:spPr>
-          <a:xfrm>
-            <a:off x="875211" y="1994262"/>
-            <a:ext cx="6858001" cy="806272"/>
-          </a:xfrm>
-          <a:prstGeom prst="rect">
-            <a:avLst/>
-          </a:prstGeom>
-        </p:spPr>
-        <p:txBody>
-          <a:bodyPr vert="horz" lIns="91440" tIns="45720" rIns="91440" bIns="45720" rtlCol="0" anchor="b">
-            <a:noAutofit/>
-          </a:bodyPr>
-          <a:lstStyle>
-            <a:lvl1pPr algn="l" defTabSz="457200" rtl="0" eaLnBrk="1" latinLnBrk="0" hangingPunct="1">
-              <a:spcBef>
-                <a:spcPct val="0"/>
-              </a:spcBef>
-              <a:buNone/>
-              <a:defRPr sz="7200" b="0" i="0" kern="1200">
-                <a:solidFill>
-                  <a:schemeClr val="tx2"/>
-                </a:solidFill>
-                <a:latin typeface="+mj-lt"/>
-                <a:ea typeface="+mj-ea"/>
-                <a:cs typeface="+mj-cs"/>
-              </a:defRPr>
-            </a:lvl1pPr>
-            <a:lvl2pPr eaLnBrk="1" hangingPunct="1">
-              <a:defRPr>
-                <a:solidFill>
-                  <a:schemeClr val="tx2"/>
-                </a:solidFill>
-              </a:defRPr>
-            </a:lvl2pPr>
-            <a:lvl3pPr eaLnBrk="1" hangingPunct="1">
-              <a:defRPr>
-                <a:solidFill>
-                  <a:schemeClr val="tx2"/>
-                </a:solidFill>
-              </a:defRPr>
-            </a:lvl3pPr>
-            <a:lvl4pPr eaLnBrk="1" hangingPunct="1">
-              <a:defRPr>
-                <a:solidFill>
-                  <a:schemeClr val="tx2"/>
-                </a:solidFill>
-              </a:defRPr>
-            </a:lvl4pPr>
-            <a:lvl5pPr eaLnBrk="1" hangingPunct="1">
-              <a:defRPr>
-                <a:solidFill>
-                  <a:schemeClr val="tx2"/>
-                </a:solidFill>
-              </a:defRPr>
-            </a:lvl5pPr>
-            <a:lvl6pPr eaLnBrk="1" hangingPunct="1">
-              <a:defRPr>
-                <a:solidFill>
-                  <a:schemeClr val="tx2"/>
-                </a:solidFill>
-              </a:defRPr>
-            </a:lvl6pPr>
-            <a:lvl7pPr eaLnBrk="1" hangingPunct="1">
-              <a:defRPr>
-                <a:solidFill>
-                  <a:schemeClr val="tx2"/>
-                </a:solidFill>
-              </a:defRPr>
-            </a:lvl7pPr>
-            <a:lvl8pPr eaLnBrk="1" hangingPunct="1">
-              <a:defRPr>
-                <a:solidFill>
-                  <a:schemeClr val="tx2"/>
-                </a:solidFill>
-              </a:defRPr>
-            </a:lvl8pPr>
-            <a:lvl9pPr eaLnBrk="1" hangingPunct="1">
-              <a:defRPr>
-                <a:solidFill>
-                  <a:schemeClr val="tx2"/>
-                </a:solidFill>
-              </a:defRPr>
-            </a:lvl9pPr>
-          </a:lstStyle>
-          <a:p>
-            <a:r>
-              <a:rPr lang="en-US" sz="5400" dirty="0" smtClean="0">
-                <a:latin typeface="Arial Black" panose="020B0A04020102020204" pitchFamily="34" charset="0"/>
-              </a:rPr>
-              <a:t>2. CHECK BY</a:t>
-            </a:r>
-            <a:endParaRPr lang="en-US" sz="5400" dirty="0">
-              <a:latin typeface="Arial Black" panose="020B0A04020102020204" pitchFamily="34" charset="0"/>
-            </a:endParaRPr>
-          </a:p>
-        </p:txBody>
-      </p:sp>
-      <p:sp>
-        <p:nvSpPr>
-          <p:cNvPr id="4" name="Title 1"/>
-          <p:cNvSpPr txBox="1">
-            <a:spLocks/>
-          </p:cNvSpPr>
-          <p:nvPr/>
-        </p:nvSpPr>
-        <p:spPr>
-          <a:xfrm>
-            <a:off x="875211" y="2891245"/>
-            <a:ext cx="6858001" cy="806272"/>
-          </a:xfrm>
-          <a:prstGeom prst="rect">
-            <a:avLst/>
-          </a:prstGeom>
-        </p:spPr>
-        <p:txBody>
-          <a:bodyPr vert="horz" lIns="91440" tIns="45720" rIns="91440" bIns="45720" rtlCol="0" anchor="b">
-            <a:noAutofit/>
-          </a:bodyPr>
-          <a:lstStyle>
-            <a:lvl1pPr algn="l" defTabSz="457200" rtl="0" eaLnBrk="1" latinLnBrk="0" hangingPunct="1">
-              <a:spcBef>
-                <a:spcPct val="0"/>
-              </a:spcBef>
-              <a:buNone/>
-              <a:defRPr sz="7200" b="0" i="0" kern="1200">
-                <a:solidFill>
-                  <a:schemeClr val="tx2"/>
-                </a:solidFill>
-                <a:latin typeface="+mj-lt"/>
-                <a:ea typeface="+mj-ea"/>
-                <a:cs typeface="+mj-cs"/>
-              </a:defRPr>
-            </a:lvl1pPr>
-            <a:lvl2pPr eaLnBrk="1" hangingPunct="1">
-              <a:defRPr>
-                <a:solidFill>
-                  <a:schemeClr val="tx2"/>
-                </a:solidFill>
-              </a:defRPr>
-            </a:lvl2pPr>
-            <a:lvl3pPr eaLnBrk="1" hangingPunct="1">
-              <a:defRPr>
-                <a:solidFill>
-                  <a:schemeClr val="tx2"/>
-                </a:solidFill>
-              </a:defRPr>
-            </a:lvl3pPr>
-            <a:lvl4pPr eaLnBrk="1" hangingPunct="1">
-              <a:defRPr>
-                <a:solidFill>
-                  <a:schemeClr val="tx2"/>
-                </a:solidFill>
-              </a:defRPr>
-            </a:lvl4pPr>
-            <a:lvl5pPr eaLnBrk="1" hangingPunct="1">
-              <a:defRPr>
-                <a:solidFill>
-                  <a:schemeClr val="tx2"/>
-                </a:solidFill>
-              </a:defRPr>
-            </a:lvl5pPr>
-            <a:lvl6pPr eaLnBrk="1" hangingPunct="1">
-              <a:defRPr>
-                <a:solidFill>
-                  <a:schemeClr val="tx2"/>
-                </a:solidFill>
-              </a:defRPr>
-            </a:lvl6pPr>
-            <a:lvl7pPr eaLnBrk="1" hangingPunct="1">
-              <a:defRPr>
-                <a:solidFill>
-                  <a:schemeClr val="tx2"/>
-                </a:solidFill>
-              </a:defRPr>
-            </a:lvl7pPr>
-            <a:lvl8pPr eaLnBrk="1" hangingPunct="1">
-              <a:defRPr>
-                <a:solidFill>
-                  <a:schemeClr val="tx2"/>
-                </a:solidFill>
-              </a:defRPr>
-            </a:lvl8pPr>
-            <a:lvl9pPr eaLnBrk="1" hangingPunct="1">
-              <a:defRPr>
-                <a:solidFill>
-                  <a:schemeClr val="tx2"/>
-                </a:solidFill>
-              </a:defRPr>
-            </a:lvl9pPr>
-          </a:lstStyle>
-          <a:p>
-            <a:r>
-              <a:rPr lang="en-US" sz="5400" dirty="0">
-                <a:latin typeface="Arial Black" panose="020B0A04020102020204" pitchFamily="34" charset="0"/>
-              </a:rPr>
-              <a:t>3</a:t>
-            </a:r>
-            <a:r>
-              <a:rPr lang="en-US" sz="5400" dirty="0" smtClean="0">
-                <a:latin typeface="Arial Black" panose="020B0A04020102020204" pitchFamily="34" charset="0"/>
-              </a:rPr>
-              <a:t>. OWNER</a:t>
-            </a:r>
-            <a:endParaRPr lang="en-US" sz="5400" dirty="0">
-              <a:latin typeface="Arial Black" panose="020B0A04020102020204" pitchFamily="34" charset="0"/>
-            </a:endParaRPr>
-          </a:p>
-        </p:txBody>
-      </p:sp>
-      <p:sp>
-        <p:nvSpPr>
-          <p:cNvPr id="5" name="Title 1"/>
-          <p:cNvSpPr txBox="1">
-            <a:spLocks/>
-          </p:cNvSpPr>
-          <p:nvPr/>
-        </p:nvSpPr>
-        <p:spPr>
-          <a:xfrm>
-            <a:off x="875211" y="3788228"/>
-            <a:ext cx="8804366" cy="806272"/>
-          </a:xfrm>
-          <a:prstGeom prst="rect">
-            <a:avLst/>
-          </a:prstGeom>
-        </p:spPr>
-        <p:txBody>
-          <a:bodyPr vert="horz" lIns="91440" tIns="45720" rIns="91440" bIns="45720" rtlCol="0" anchor="b">
-            <a:noAutofit/>
-          </a:bodyPr>
-          <a:lstStyle>
-            <a:lvl1pPr algn="l" defTabSz="457200" rtl="0" eaLnBrk="1" latinLnBrk="0" hangingPunct="1">
-              <a:spcBef>
-                <a:spcPct val="0"/>
-              </a:spcBef>
-              <a:buNone/>
-              <a:defRPr sz="7200" b="0" i="0" kern="1200">
-                <a:solidFill>
-                  <a:schemeClr val="tx2"/>
-                </a:solidFill>
-                <a:latin typeface="+mj-lt"/>
-                <a:ea typeface="+mj-ea"/>
-                <a:cs typeface="+mj-cs"/>
-              </a:defRPr>
-            </a:lvl1pPr>
-            <a:lvl2pPr eaLnBrk="1" hangingPunct="1">
-              <a:defRPr>
-                <a:solidFill>
-                  <a:schemeClr val="tx2"/>
-                </a:solidFill>
-              </a:defRPr>
-            </a:lvl2pPr>
-            <a:lvl3pPr eaLnBrk="1" hangingPunct="1">
-              <a:defRPr>
-                <a:solidFill>
-                  <a:schemeClr val="tx2"/>
-                </a:solidFill>
-              </a:defRPr>
-            </a:lvl3pPr>
-            <a:lvl4pPr eaLnBrk="1" hangingPunct="1">
-              <a:defRPr>
-                <a:solidFill>
-                  <a:schemeClr val="tx2"/>
-                </a:solidFill>
-              </a:defRPr>
-            </a:lvl4pPr>
-            <a:lvl5pPr eaLnBrk="1" hangingPunct="1">
-              <a:defRPr>
-                <a:solidFill>
-                  <a:schemeClr val="tx2"/>
-                </a:solidFill>
-              </a:defRPr>
-            </a:lvl5pPr>
-            <a:lvl6pPr eaLnBrk="1" hangingPunct="1">
-              <a:defRPr>
-                <a:solidFill>
-                  <a:schemeClr val="tx2"/>
-                </a:solidFill>
-              </a:defRPr>
-            </a:lvl6pPr>
-            <a:lvl7pPr eaLnBrk="1" hangingPunct="1">
-              <a:defRPr>
-                <a:solidFill>
-                  <a:schemeClr val="tx2"/>
-                </a:solidFill>
-              </a:defRPr>
-            </a:lvl7pPr>
-            <a:lvl8pPr eaLnBrk="1" hangingPunct="1">
-              <a:defRPr>
-                <a:solidFill>
-                  <a:schemeClr val="tx2"/>
-                </a:solidFill>
-              </a:defRPr>
-            </a:lvl8pPr>
-            <a:lvl9pPr eaLnBrk="1" hangingPunct="1">
-              <a:defRPr>
-                <a:solidFill>
-                  <a:schemeClr val="tx2"/>
-                </a:solidFill>
-              </a:defRPr>
-            </a:lvl9pPr>
-          </a:lstStyle>
-          <a:p>
-            <a:r>
-              <a:rPr lang="en-US" sz="5400" dirty="0" smtClean="0">
-                <a:latin typeface="Arial Black" panose="020B0A04020102020204" pitchFamily="34" charset="0"/>
-              </a:rPr>
-              <a:t>4. DATE RECEIVED</a:t>
-            </a:r>
-            <a:endParaRPr lang="en-US" sz="5400" dirty="0">
-              <a:latin typeface="Arial Black" panose="020B0A04020102020204" pitchFamily="34" charset="0"/>
-            </a:endParaRPr>
-          </a:p>
-        </p:txBody>
-      </p:sp>
-      <p:sp>
-        <p:nvSpPr>
-          <p:cNvPr id="6" name="Title 1"/>
-          <p:cNvSpPr txBox="1">
-            <a:spLocks/>
-          </p:cNvSpPr>
-          <p:nvPr/>
-        </p:nvSpPr>
-        <p:spPr>
-          <a:xfrm>
-            <a:off x="875211" y="4685210"/>
-            <a:ext cx="8804366" cy="806272"/>
-          </a:xfrm>
-          <a:prstGeom prst="rect">
-            <a:avLst/>
-          </a:prstGeom>
-        </p:spPr>
-        <p:txBody>
-          <a:bodyPr vert="horz" lIns="91440" tIns="45720" rIns="91440" bIns="45720" rtlCol="0" anchor="b">
-            <a:noAutofit/>
-          </a:bodyPr>
-          <a:lstStyle>
-            <a:lvl1pPr algn="l" defTabSz="457200" rtl="0" eaLnBrk="1" latinLnBrk="0" hangingPunct="1">
-              <a:spcBef>
-                <a:spcPct val="0"/>
-              </a:spcBef>
-              <a:buNone/>
-              <a:defRPr sz="7200" b="0" i="0" kern="1200">
-                <a:solidFill>
-                  <a:schemeClr val="tx2"/>
-                </a:solidFill>
-                <a:latin typeface="+mj-lt"/>
-                <a:ea typeface="+mj-ea"/>
-                <a:cs typeface="+mj-cs"/>
-              </a:defRPr>
-            </a:lvl1pPr>
-            <a:lvl2pPr eaLnBrk="1" hangingPunct="1">
-              <a:defRPr>
-                <a:solidFill>
-                  <a:schemeClr val="tx2"/>
-                </a:solidFill>
-              </a:defRPr>
-            </a:lvl2pPr>
-            <a:lvl3pPr eaLnBrk="1" hangingPunct="1">
-              <a:defRPr>
-                <a:solidFill>
-                  <a:schemeClr val="tx2"/>
-                </a:solidFill>
-              </a:defRPr>
-            </a:lvl3pPr>
-            <a:lvl4pPr eaLnBrk="1" hangingPunct="1">
-              <a:defRPr>
-                <a:solidFill>
-                  <a:schemeClr val="tx2"/>
-                </a:solidFill>
-              </a:defRPr>
-            </a:lvl4pPr>
-            <a:lvl5pPr eaLnBrk="1" hangingPunct="1">
-              <a:defRPr>
-                <a:solidFill>
-                  <a:schemeClr val="tx2"/>
-                </a:solidFill>
-              </a:defRPr>
-            </a:lvl5pPr>
-            <a:lvl6pPr eaLnBrk="1" hangingPunct="1">
-              <a:defRPr>
-                <a:solidFill>
-                  <a:schemeClr val="tx2"/>
-                </a:solidFill>
-              </a:defRPr>
-            </a:lvl6pPr>
-            <a:lvl7pPr eaLnBrk="1" hangingPunct="1">
-              <a:defRPr>
-                <a:solidFill>
-                  <a:schemeClr val="tx2"/>
-                </a:solidFill>
-              </a:defRPr>
-            </a:lvl7pPr>
-            <a:lvl8pPr eaLnBrk="1" hangingPunct="1">
-              <a:defRPr>
-                <a:solidFill>
-                  <a:schemeClr val="tx2"/>
-                </a:solidFill>
-              </a:defRPr>
-            </a:lvl8pPr>
-            <a:lvl9pPr eaLnBrk="1" hangingPunct="1">
-              <a:defRPr>
-                <a:solidFill>
-                  <a:schemeClr val="tx2"/>
-                </a:solidFill>
-              </a:defRPr>
-            </a:lvl9pPr>
-          </a:lstStyle>
-          <a:p>
-            <a:r>
-              <a:rPr lang="en-US" sz="5400" dirty="0">
-                <a:latin typeface="Arial Black" panose="020B0A04020102020204" pitchFamily="34" charset="0"/>
-              </a:rPr>
-              <a:t>5</a:t>
-            </a:r>
-            <a:r>
-              <a:rPr lang="en-US" sz="5400" dirty="0" smtClean="0">
-                <a:latin typeface="Arial Black" panose="020B0A04020102020204" pitchFamily="34" charset="0"/>
-              </a:rPr>
-              <a:t>. DELIVERY TYPE</a:t>
-            </a:r>
-            <a:endParaRPr lang="en-US" sz="5400" dirty="0">
-              <a:latin typeface="Arial Black" panose="020B0A04020102020204" pitchFamily="34" charset="0"/>
-            </a:endParaRPr>
-          </a:p>
-        </p:txBody>
-      </p:sp>
-    </p:spTree>
-    <p:extLst>
-      <p:ext uri="{BB962C8B-B14F-4D97-AF65-F5344CB8AC3E}">
-        <p14:creationId xmlns:p14="http://schemas.microsoft.com/office/powerpoint/2010/main" val="3055972270"/>
-      </p:ext>
-    </p:extLst>
-  </p:cSld>
-  <p:clrMapOvr>
-    <a:masterClrMapping/>
-  </p:clrMapOvr>
-  <p:transition spd="slow">
-    <p:push dir="u"/>
-  </p:transition>
   <p:timing>
     <p:tnLst>
       <p:par>
@@ -6693,7 +6615,7 @@
                                           </p:stCondLst>
                                         </p:cTn>
                                         <p:tgtEl>
-                                          <p:spTgt spid="3"/>
+                                          <p:spTgt spid="4"/>
                                         </p:tgtEl>
                                         <p:attrNameLst>
                                           <p:attrName>style.visibility</p:attrName>
@@ -6707,7 +6629,7 @@
                                       <p:cBhvr additive="base">
                                         <p:cTn id="13" dur="500" fill="hold"/>
                                         <p:tgtEl>
-                                          <p:spTgt spid="3"/>
+                                          <p:spTgt spid="4"/>
                                         </p:tgtEl>
                                         <p:attrNameLst>
                                           <p:attrName>ppt_x</p:attrName>
@@ -6730,7 +6652,7 @@
                                       <p:cBhvr additive="base">
                                         <p:cTn id="14" dur="500" fill="hold"/>
                                         <p:tgtEl>
-                                          <p:spTgt spid="3"/>
+                                          <p:spTgt spid="4"/>
                                         </p:tgtEl>
                                         <p:attrNameLst>
                                           <p:attrName>ppt_y</p:attrName>
@@ -6784,7 +6706,7 @@
                                           </p:stCondLst>
                                         </p:cTn>
                                         <p:tgtEl>
-                                          <p:spTgt spid="4"/>
+                                          <p:spTgt spid="5"/>
                                         </p:tgtEl>
                                         <p:attrNameLst>
                                           <p:attrName>style.visibility</p:attrName>
@@ -6798,7 +6720,7 @@
                                       <p:cBhvr additive="base">
                                         <p:cTn id="19" dur="500" fill="hold"/>
                                         <p:tgtEl>
-                                          <p:spTgt spid="4"/>
+                                          <p:spTgt spid="5"/>
                                         </p:tgtEl>
                                         <p:attrNameLst>
                                           <p:attrName>ppt_x</p:attrName>
@@ -6821,7 +6743,7 @@
                                       <p:cBhvr additive="base">
                                         <p:cTn id="20" dur="500" fill="hold"/>
                                         <p:tgtEl>
-                                          <p:spTgt spid="4"/>
+                                          <p:spTgt spid="5"/>
                                         </p:tgtEl>
                                         <p:attrNameLst>
                                           <p:attrName>ppt_y</p:attrName>
@@ -6875,7 +6797,7 @@
                                           </p:stCondLst>
                                         </p:cTn>
                                         <p:tgtEl>
-                                          <p:spTgt spid="5"/>
+                                          <p:spTgt spid="6"/>
                                         </p:tgtEl>
                                         <p:attrNameLst>
                                           <p:attrName>style.visibility</p:attrName>
@@ -6889,7 +6811,7 @@
                                       <p:cBhvr additive="base">
                                         <p:cTn id="25" dur="500" fill="hold"/>
                                         <p:tgtEl>
-                                          <p:spTgt spid="5"/>
+                                          <p:spTgt spid="6"/>
                                         </p:tgtEl>
                                         <p:attrNameLst>
                                           <p:attrName>ppt_x</p:attrName>
@@ -6912,7 +6834,7 @@
                                       <p:cBhvr additive="base">
                                         <p:cTn id="26" dur="500" fill="hold"/>
                                         <p:tgtEl>
-                                          <p:spTgt spid="5"/>
+                                          <p:spTgt spid="6"/>
                                         </p:tgtEl>
                                         <p:attrNameLst>
                                           <p:attrName>ppt_y</p:attrName>
@@ -6966,7 +6888,7 @@
                                           </p:stCondLst>
                                         </p:cTn>
                                         <p:tgtEl>
-                                          <p:spTgt spid="6"/>
+                                          <p:spTgt spid="7"/>
                                         </p:tgtEl>
                                         <p:attrNameLst>
                                           <p:attrName>style.visibility</p:attrName>
@@ -6980,7 +6902,7 @@
                                       <p:cBhvr additive="base">
                                         <p:cTn id="31" dur="500" fill="hold"/>
                                         <p:tgtEl>
-                                          <p:spTgt spid="6"/>
+                                          <p:spTgt spid="7"/>
                                         </p:tgtEl>
                                         <p:attrNameLst>
                                           <p:attrName>ppt_x</p:attrName>
@@ -7003,7 +6925,7 @@
                                       <p:cBhvr additive="base">
                                         <p:cTn id="32" dur="500" fill="hold"/>
                                         <p:tgtEl>
-                                          <p:spTgt spid="6"/>
+                                          <p:spTgt spid="7"/>
                                         </p:tgtEl>
                                         <p:attrNameLst>
                                           <p:attrName>ppt_y</p:attrName>
@@ -7054,16 +6976,16 @@
     </p:tnLst>
     <p:bldLst>
       <p:bldP spid="2" grpId="0"/>
-      <p:bldP spid="3" grpId="0"/>
       <p:bldP spid="4" grpId="0"/>
       <p:bldP spid="5" grpId="0"/>
       <p:bldP spid="6" grpId="0"/>
+      <p:bldP spid="7" grpId="0"/>
     </p:bldLst>
   </p:timing>
 </p:sld>
 </file>
 
-<file path=ppt/slides/slide3.xml><?xml version="1.0" encoding="utf-8"?>
+<file path=ppt/slides/slide2.xml><?xml version="1.0" encoding="utf-8"?>
 <p:sld xmlns:a="http://schemas.openxmlformats.org/drawingml/2006/main" xmlns:r="http://schemas.openxmlformats.org/officeDocument/2006/relationships" xmlns:p="http://schemas.openxmlformats.org/presentationml/2006/main">
   <p:cSld>
     <p:spTree>
@@ -7092,8 +7014,8 @@
         </p:nvSpPr>
         <p:spPr>
           <a:xfrm>
-            <a:off x="875211" y="1097279"/>
-            <a:ext cx="9810206" cy="806272"/>
+            <a:off x="976820" y="1024716"/>
+            <a:ext cx="8544560" cy="806272"/>
           </a:xfrm>
         </p:spPr>
         <p:txBody>
@@ -7101,18 +7023,12 @@
           <a:lstStyle/>
           <a:p>
             <a:r>
-              <a:rPr lang="en-US" sz="5400" dirty="0">
+              <a:rPr lang="en-US" sz="3600" dirty="0" smtClean="0">
                 <a:latin typeface="Arial Black" panose="020B0A04020102020204" pitchFamily="34" charset="0"/>
               </a:rPr>
-              <a:t>6</a:t>
-            </a:r>
-            <a:r>
-              <a:rPr lang="en-US" sz="5400" dirty="0" smtClean="0">
-                <a:latin typeface="Arial Black" panose="020B0A04020102020204" pitchFamily="34" charset="0"/>
-              </a:rPr>
-              <a:t>. MANUAL DOC SERIES</a:t>
-            </a:r>
-            <a:endParaRPr lang="en-US" sz="5400" dirty="0">
+              <a:t>1. JOB ORDER NO.</a:t>
+            </a:r>
+            <a:endParaRPr lang="en-US" sz="3600" dirty="0">
               <a:latin typeface="Arial Black" panose="020B0A04020102020204" pitchFamily="34" charset="0"/>
             </a:endParaRPr>
           </a:p>
@@ -7128,8 +7044,8 @@
         </p:nvSpPr>
         <p:spPr>
           <a:xfrm>
-            <a:off x="875211" y="1994262"/>
-            <a:ext cx="9927772" cy="806272"/>
+            <a:off x="976820" y="1921699"/>
+            <a:ext cx="7412446" cy="806272"/>
           </a:xfrm>
           <a:prstGeom prst="rect">
             <a:avLst/>
@@ -7213,18 +7129,12 @@
           </a:lstStyle>
           <a:p>
             <a:r>
-              <a:rPr lang="en-US" sz="5400" dirty="0" smtClean="0">
+              <a:rPr lang="en-US" sz="3600" dirty="0" smtClean="0">
                 <a:latin typeface="Arial Black" panose="020B0A04020102020204" pitchFamily="34" charset="0"/>
               </a:rPr>
-              <a:t>7. REASON </a:t>
-            </a:r>
-            <a:r>
-              <a:rPr lang="en-US" sz="5400" dirty="0" smtClean="0">
-                <a:latin typeface="Arial Black" panose="020B0A04020102020204" pitchFamily="34" charset="0"/>
-              </a:rPr>
-              <a:t>FOR ITR</a:t>
-            </a:r>
-            <a:endParaRPr lang="en-US" sz="5400" dirty="0">
+              <a:t>2. CHECKED BY</a:t>
+            </a:r>
+            <a:endParaRPr lang="en-US" sz="3600" dirty="0">
               <a:latin typeface="Arial Black" panose="020B0A04020102020204" pitchFamily="34" charset="0"/>
             </a:endParaRPr>
           </a:p>
@@ -7240,8 +7150,8 @@
         </p:nvSpPr>
         <p:spPr>
           <a:xfrm>
-            <a:off x="875211" y="2891245"/>
-            <a:ext cx="9091749" cy="806272"/>
+            <a:off x="976820" y="2818682"/>
+            <a:ext cx="6858001" cy="806272"/>
           </a:xfrm>
           <a:prstGeom prst="rect">
             <a:avLst/>
@@ -7325,24 +7235,18 @@
           </a:lstStyle>
           <a:p>
             <a:r>
-              <a:rPr lang="en-US" sz="5400" dirty="0" smtClean="0">
+              <a:rPr lang="en-US" sz="3600" dirty="0">
                 <a:latin typeface="Arial Black" panose="020B0A04020102020204" pitchFamily="34" charset="0"/>
               </a:rPr>
-              <a:t>8. MANUAL </a:t>
-            </a:r>
-            <a:r>
-              <a:rPr lang="en-US" sz="5400" smtClean="0">
+              <a:t>3</a:t>
+            </a:r>
+            <a:r>
+              <a:rPr lang="en-US" sz="3600" dirty="0" smtClean="0">
                 <a:latin typeface="Arial Black" panose="020B0A04020102020204" pitchFamily="34" charset="0"/>
               </a:rPr>
-              <a:t>JOB </a:t>
-            </a:r>
-            <a:r>
-              <a:rPr lang="en-US" sz="5400" smtClean="0">
-                <a:latin typeface="Arial Black" panose="020B0A04020102020204" pitchFamily="34" charset="0"/>
-              </a:rPr>
-              <a:t>NO.</a:t>
-            </a:r>
-            <a:endParaRPr lang="en-US" sz="5400" dirty="0">
+              <a:t>. OWNER</a:t>
+            </a:r>
+            <a:endParaRPr lang="en-US" sz="3600" dirty="0">
               <a:latin typeface="Arial Black" panose="020B0A04020102020204" pitchFamily="34" charset="0"/>
             </a:endParaRPr>
           </a:p>
@@ -7358,7 +7262,7 @@
         </p:nvSpPr>
         <p:spPr>
           <a:xfrm>
-            <a:off x="875211" y="3788228"/>
+            <a:off x="976820" y="3715665"/>
             <a:ext cx="8804366" cy="806272"/>
           </a:xfrm>
           <a:prstGeom prst="rect">
@@ -7443,136 +7347,12 @@
           </a:lstStyle>
           <a:p>
             <a:r>
-              <a:rPr lang="en-US" sz="5400" dirty="0" smtClean="0">
+              <a:rPr lang="en-US" sz="3600" dirty="0" smtClean="0">
                 <a:latin typeface="Arial Black" panose="020B0A04020102020204" pitchFamily="34" charset="0"/>
               </a:rPr>
-              <a:t>9. ICD STAFF</a:t>
-            </a:r>
-            <a:endParaRPr lang="en-US" sz="5400" dirty="0">
-              <a:latin typeface="Arial Black" panose="020B0A04020102020204" pitchFamily="34" charset="0"/>
-            </a:endParaRPr>
-          </a:p>
-        </p:txBody>
-      </p:sp>
-      <p:sp>
-        <p:nvSpPr>
-          <p:cNvPr id="6" name="Title 1"/>
-          <p:cNvSpPr txBox="1">
-            <a:spLocks/>
-          </p:cNvSpPr>
-          <p:nvPr/>
-        </p:nvSpPr>
-        <p:spPr>
-          <a:xfrm>
-            <a:off x="875211" y="4685210"/>
-            <a:ext cx="8804366" cy="806272"/>
-          </a:xfrm>
-          <a:prstGeom prst="rect">
-            <a:avLst/>
-          </a:prstGeom>
-        </p:spPr>
-        <p:txBody>
-          <a:bodyPr vert="horz" lIns="91440" tIns="45720" rIns="91440" bIns="45720" rtlCol="0" anchor="b">
-            <a:noAutofit/>
-          </a:bodyPr>
-          <a:lstStyle>
-            <a:lvl1pPr algn="l" defTabSz="457200" rtl="0" eaLnBrk="1" latinLnBrk="0" hangingPunct="1">
-              <a:spcBef>
-                <a:spcPct val="0"/>
-              </a:spcBef>
-              <a:buNone/>
-              <a:defRPr sz="7200" b="0" i="0" kern="1200">
-                <a:solidFill>
-                  <a:schemeClr val="tx2"/>
-                </a:solidFill>
-                <a:latin typeface="+mj-lt"/>
-                <a:ea typeface="+mj-ea"/>
-                <a:cs typeface="+mj-cs"/>
-              </a:defRPr>
-            </a:lvl1pPr>
-            <a:lvl2pPr eaLnBrk="1" hangingPunct="1">
-              <a:defRPr>
-                <a:solidFill>
-                  <a:schemeClr val="tx2"/>
-                </a:solidFill>
-              </a:defRPr>
-            </a:lvl2pPr>
-            <a:lvl3pPr eaLnBrk="1" hangingPunct="1">
-              <a:defRPr>
-                <a:solidFill>
-                  <a:schemeClr val="tx2"/>
-                </a:solidFill>
-              </a:defRPr>
-            </a:lvl3pPr>
-            <a:lvl4pPr eaLnBrk="1" hangingPunct="1">
-              <a:defRPr>
-                <a:solidFill>
-                  <a:schemeClr val="tx2"/>
-                </a:solidFill>
-              </a:defRPr>
-            </a:lvl4pPr>
-            <a:lvl5pPr eaLnBrk="1" hangingPunct="1">
-              <a:defRPr>
-                <a:solidFill>
-                  <a:schemeClr val="tx2"/>
-                </a:solidFill>
-              </a:defRPr>
-            </a:lvl5pPr>
-            <a:lvl6pPr eaLnBrk="1" hangingPunct="1">
-              <a:defRPr>
-                <a:solidFill>
-                  <a:schemeClr val="tx2"/>
-                </a:solidFill>
-              </a:defRPr>
-            </a:lvl6pPr>
-            <a:lvl7pPr eaLnBrk="1" hangingPunct="1">
-              <a:defRPr>
-                <a:solidFill>
-                  <a:schemeClr val="tx2"/>
-                </a:solidFill>
-              </a:defRPr>
-            </a:lvl7pPr>
-            <a:lvl8pPr eaLnBrk="1" hangingPunct="1">
-              <a:defRPr>
-                <a:solidFill>
-                  <a:schemeClr val="tx2"/>
-                </a:solidFill>
-              </a:defRPr>
-            </a:lvl8pPr>
-            <a:lvl9pPr eaLnBrk="1" hangingPunct="1">
-              <a:defRPr>
-                <a:solidFill>
-                  <a:schemeClr val="tx2"/>
-                </a:solidFill>
-              </a:defRPr>
-            </a:lvl9pPr>
-          </a:lstStyle>
-          <a:p>
-            <a:r>
-              <a:rPr lang="en-US" sz="5400" dirty="0" smtClean="0">
-                <a:latin typeface="Arial Black" panose="020B0A04020102020204" pitchFamily="34" charset="0"/>
-              </a:rPr>
-              <a:t>10. </a:t>
-            </a:r>
-            <a:r>
-              <a:rPr lang="en-US" sz="5400">
-                <a:latin typeface="Arial Black" panose="020B0A04020102020204" pitchFamily="34" charset="0"/>
-              </a:rPr>
-              <a:t>C</a:t>
-            </a:r>
-            <a:r>
-              <a:rPr lang="en-US" sz="5400" smtClean="0">
-                <a:latin typeface="Arial Black" panose="020B0A04020102020204" pitchFamily="34" charset="0"/>
-              </a:rPr>
-              <a:t>C </a:t>
-            </a:r>
-            <a:r>
-              <a:rPr lang="en-US" sz="5400" dirty="0" smtClean="0">
-                <a:latin typeface="Arial Black" panose="020B0A04020102020204" pitchFamily="34" charset="0"/>
-              </a:rPr>
-              <a:t>MANAGER</a:t>
-            </a:r>
-            <a:endParaRPr lang="en-US" sz="5400" dirty="0">
+              <a:t>4. DATE RECEIVED</a:t>
+            </a:r>
+            <a:endParaRPr lang="en-US" sz="3600" dirty="0">
               <a:latin typeface="Arial Black" panose="020B0A04020102020204" pitchFamily="34" charset="0"/>
             </a:endParaRPr>
           </a:p>
@@ -7581,7 +7361,7 @@
     </p:spTree>
     <p:extLst>
       <p:ext uri="{BB962C8B-B14F-4D97-AF65-F5344CB8AC3E}">
-        <p14:creationId xmlns:p14="http://schemas.microsoft.com/office/powerpoint/2010/main" val="3327567629"/>
+        <p14:creationId xmlns:p14="http://schemas.microsoft.com/office/powerpoint/2010/main" val="1862246678"/>
       </p:ext>
     </p:extLst>
   </p:cSld>
@@ -7963,6 +7743,1022 @@
                       </p:childTnLst>
                     </p:cTn>
                   </p:par>
+                </p:childTnLst>
+              </p:cTn>
+              <p:prevCondLst>
+                <p:cond evt="onPrev" delay="0">
+                  <p:tgtEl>
+                    <p:sldTgt/>
+                  </p:tgtEl>
+                </p:cond>
+              </p:prevCondLst>
+              <p:nextCondLst>
+                <p:cond evt="onNext" delay="0">
+                  <p:tgtEl>
+                    <p:sldTgt/>
+                  </p:tgtEl>
+                </p:cond>
+              </p:nextCondLst>
+            </p:seq>
+          </p:childTnLst>
+        </p:cTn>
+      </p:par>
+    </p:tnLst>
+    <p:bldLst>
+      <p:bldP spid="2" grpId="0"/>
+      <p:bldP spid="3" grpId="0"/>
+      <p:bldP spid="4" grpId="0"/>
+      <p:bldP spid="5" grpId="0"/>
+    </p:bldLst>
+  </p:timing>
+</p:sld>
+</file>
+
+<file path=ppt/slides/slide3.xml><?xml version="1.0" encoding="utf-8"?>
+<p:sld xmlns:a="http://schemas.openxmlformats.org/drawingml/2006/main" xmlns:r="http://schemas.openxmlformats.org/officeDocument/2006/relationships" xmlns:p="http://schemas.openxmlformats.org/presentationml/2006/main">
+  <p:cSld>
+    <p:spTree>
+      <p:nvGrpSpPr>
+        <p:cNvPr id="1" name=""/>
+        <p:cNvGrpSpPr/>
+        <p:nvPr/>
+      </p:nvGrpSpPr>
+      <p:grpSpPr>
+        <a:xfrm>
+          <a:off x="0" y="0"/>
+          <a:ext cx="0" cy="0"/>
+          <a:chOff x="0" y="0"/>
+          <a:chExt cx="0" cy="0"/>
+        </a:xfrm>
+      </p:grpSpPr>
+      <p:sp>
+        <p:nvSpPr>
+          <p:cNvPr id="2" name="Title 1"/>
+          <p:cNvSpPr>
+            <a:spLocks noGrp="1"/>
+          </p:cNvSpPr>
+          <p:nvPr>
+            <p:ph type="ctrTitle"/>
+          </p:nvPr>
+        </p:nvSpPr>
+        <p:spPr>
+          <a:xfrm>
+            <a:off x="976820" y="1024716"/>
+            <a:ext cx="8544560" cy="806272"/>
+          </a:xfrm>
+        </p:spPr>
+        <p:txBody>
+          <a:bodyPr anchor="b"/>
+          <a:lstStyle/>
+          <a:p>
+            <a:r>
+              <a:rPr lang="en-US" sz="3600" dirty="0">
+                <a:latin typeface="Arial Black" panose="020B0A04020102020204" pitchFamily="34" charset="0"/>
+              </a:rPr>
+              <a:t>5. </a:t>
+            </a:r>
+            <a:r>
+              <a:rPr lang="en-US" sz="3600" dirty="0" smtClean="0">
+                <a:latin typeface="Arial Black" panose="020B0A04020102020204" pitchFamily="34" charset="0"/>
+              </a:rPr>
+              <a:t>DELIVERY TYPE</a:t>
+            </a:r>
+            <a:endParaRPr lang="en-US" sz="3600" dirty="0">
+              <a:latin typeface="Arial Black" panose="020B0A04020102020204" pitchFamily="34" charset="0"/>
+            </a:endParaRPr>
+          </a:p>
+        </p:txBody>
+      </p:sp>
+      <p:sp>
+        <p:nvSpPr>
+          <p:cNvPr id="3" name="Title 1"/>
+          <p:cNvSpPr txBox="1">
+            <a:spLocks/>
+          </p:cNvSpPr>
+          <p:nvPr/>
+        </p:nvSpPr>
+        <p:spPr>
+          <a:xfrm>
+            <a:off x="2108934" y="1714875"/>
+            <a:ext cx="7412446" cy="806272"/>
+          </a:xfrm>
+          <a:prstGeom prst="rect">
+            <a:avLst/>
+          </a:prstGeom>
+        </p:spPr>
+        <p:txBody>
+          <a:bodyPr vert="horz" lIns="91440" tIns="45720" rIns="91440" bIns="45720" rtlCol="0" anchor="b">
+            <a:noAutofit/>
+          </a:bodyPr>
+          <a:lstStyle>
+            <a:lvl1pPr algn="l" defTabSz="457200" rtl="0" eaLnBrk="1" latinLnBrk="0" hangingPunct="1">
+              <a:spcBef>
+                <a:spcPct val="0"/>
+              </a:spcBef>
+              <a:buNone/>
+              <a:defRPr sz="7200" b="0" i="0" kern="1200">
+                <a:solidFill>
+                  <a:schemeClr val="tx2"/>
+                </a:solidFill>
+                <a:latin typeface="+mj-lt"/>
+                <a:ea typeface="+mj-ea"/>
+                <a:cs typeface="+mj-cs"/>
+              </a:defRPr>
+            </a:lvl1pPr>
+            <a:lvl2pPr eaLnBrk="1" hangingPunct="1">
+              <a:defRPr>
+                <a:solidFill>
+                  <a:schemeClr val="tx2"/>
+                </a:solidFill>
+              </a:defRPr>
+            </a:lvl2pPr>
+            <a:lvl3pPr eaLnBrk="1" hangingPunct="1">
+              <a:defRPr>
+                <a:solidFill>
+                  <a:schemeClr val="tx2"/>
+                </a:solidFill>
+              </a:defRPr>
+            </a:lvl3pPr>
+            <a:lvl4pPr eaLnBrk="1" hangingPunct="1">
+              <a:defRPr>
+                <a:solidFill>
+                  <a:schemeClr val="tx2"/>
+                </a:solidFill>
+              </a:defRPr>
+            </a:lvl4pPr>
+            <a:lvl5pPr eaLnBrk="1" hangingPunct="1">
+              <a:defRPr>
+                <a:solidFill>
+                  <a:schemeClr val="tx2"/>
+                </a:solidFill>
+              </a:defRPr>
+            </a:lvl5pPr>
+            <a:lvl6pPr eaLnBrk="1" hangingPunct="1">
+              <a:defRPr>
+                <a:solidFill>
+                  <a:schemeClr val="tx2"/>
+                </a:solidFill>
+              </a:defRPr>
+            </a:lvl6pPr>
+            <a:lvl7pPr eaLnBrk="1" hangingPunct="1">
+              <a:defRPr>
+                <a:solidFill>
+                  <a:schemeClr val="tx2"/>
+                </a:solidFill>
+              </a:defRPr>
+            </a:lvl7pPr>
+            <a:lvl8pPr eaLnBrk="1" hangingPunct="1">
+              <a:defRPr>
+                <a:solidFill>
+                  <a:schemeClr val="tx2"/>
+                </a:solidFill>
+              </a:defRPr>
+            </a:lvl8pPr>
+            <a:lvl9pPr eaLnBrk="1" hangingPunct="1">
+              <a:defRPr>
+                <a:solidFill>
+                  <a:schemeClr val="tx2"/>
+                </a:solidFill>
+              </a:defRPr>
+            </a:lvl9pPr>
+          </a:lstStyle>
+          <a:p>
+            <a:pPr marL="914400" indent="-914400">
+              <a:buFont typeface="+mj-lt"/>
+              <a:buAutoNum type="alphaUcPeriod"/>
+            </a:pPr>
+            <a:r>
+              <a:rPr lang="en-US" sz="3200" dirty="0" smtClean="0">
+                <a:latin typeface="Arial Black" panose="020B0A04020102020204" pitchFamily="34" charset="0"/>
+              </a:rPr>
+              <a:t>By Land</a:t>
+            </a:r>
+            <a:endParaRPr lang="en-US" sz="3200" dirty="0">
+              <a:latin typeface="Arial Black" panose="020B0A04020102020204" pitchFamily="34" charset="0"/>
+            </a:endParaRPr>
+          </a:p>
+        </p:txBody>
+      </p:sp>
+      <p:sp>
+        <p:nvSpPr>
+          <p:cNvPr id="7" name="Title 1"/>
+          <p:cNvSpPr txBox="1">
+            <a:spLocks/>
+          </p:cNvSpPr>
+          <p:nvPr/>
+        </p:nvSpPr>
+        <p:spPr>
+          <a:xfrm>
+            <a:off x="2108934" y="2351389"/>
+            <a:ext cx="7412446" cy="806272"/>
+          </a:xfrm>
+          <a:prstGeom prst="rect">
+            <a:avLst/>
+          </a:prstGeom>
+        </p:spPr>
+        <p:txBody>
+          <a:bodyPr vert="horz" lIns="91440" tIns="45720" rIns="91440" bIns="45720" rtlCol="0" anchor="b">
+            <a:noAutofit/>
+          </a:bodyPr>
+          <a:lstStyle>
+            <a:lvl1pPr algn="l" defTabSz="457200" rtl="0" eaLnBrk="1" latinLnBrk="0" hangingPunct="1">
+              <a:spcBef>
+                <a:spcPct val="0"/>
+              </a:spcBef>
+              <a:buNone/>
+              <a:defRPr sz="7200" b="0" i="0" kern="1200">
+                <a:solidFill>
+                  <a:schemeClr val="tx2"/>
+                </a:solidFill>
+                <a:latin typeface="+mj-lt"/>
+                <a:ea typeface="+mj-ea"/>
+                <a:cs typeface="+mj-cs"/>
+              </a:defRPr>
+            </a:lvl1pPr>
+            <a:lvl2pPr eaLnBrk="1" hangingPunct="1">
+              <a:defRPr>
+                <a:solidFill>
+                  <a:schemeClr val="tx2"/>
+                </a:solidFill>
+              </a:defRPr>
+            </a:lvl2pPr>
+            <a:lvl3pPr eaLnBrk="1" hangingPunct="1">
+              <a:defRPr>
+                <a:solidFill>
+                  <a:schemeClr val="tx2"/>
+                </a:solidFill>
+              </a:defRPr>
+            </a:lvl3pPr>
+            <a:lvl4pPr eaLnBrk="1" hangingPunct="1">
+              <a:defRPr>
+                <a:solidFill>
+                  <a:schemeClr val="tx2"/>
+                </a:solidFill>
+              </a:defRPr>
+            </a:lvl4pPr>
+            <a:lvl5pPr eaLnBrk="1" hangingPunct="1">
+              <a:defRPr>
+                <a:solidFill>
+                  <a:schemeClr val="tx2"/>
+                </a:solidFill>
+              </a:defRPr>
+            </a:lvl5pPr>
+            <a:lvl6pPr eaLnBrk="1" hangingPunct="1">
+              <a:defRPr>
+                <a:solidFill>
+                  <a:schemeClr val="tx2"/>
+                </a:solidFill>
+              </a:defRPr>
+            </a:lvl6pPr>
+            <a:lvl7pPr eaLnBrk="1" hangingPunct="1">
+              <a:defRPr>
+                <a:solidFill>
+                  <a:schemeClr val="tx2"/>
+                </a:solidFill>
+              </a:defRPr>
+            </a:lvl7pPr>
+            <a:lvl8pPr eaLnBrk="1" hangingPunct="1">
+              <a:defRPr>
+                <a:solidFill>
+                  <a:schemeClr val="tx2"/>
+                </a:solidFill>
+              </a:defRPr>
+            </a:lvl8pPr>
+            <a:lvl9pPr eaLnBrk="1" hangingPunct="1">
+              <a:defRPr>
+                <a:solidFill>
+                  <a:schemeClr val="tx2"/>
+                </a:solidFill>
+              </a:defRPr>
+            </a:lvl9pPr>
+          </a:lstStyle>
+          <a:p>
+            <a:pPr marL="914400" indent="-914400">
+              <a:buFont typeface="+mj-lt"/>
+              <a:buAutoNum type="alphaUcPeriod" startAt="2"/>
+            </a:pPr>
+            <a:r>
+              <a:rPr lang="en-US" sz="3200" dirty="0" smtClean="0">
+                <a:latin typeface="Arial Black" panose="020B0A04020102020204" pitchFamily="34" charset="0"/>
+              </a:rPr>
+              <a:t>By Air</a:t>
+            </a:r>
+            <a:endParaRPr lang="en-US" sz="3200" dirty="0">
+              <a:latin typeface="Arial Black" panose="020B0A04020102020204" pitchFamily="34" charset="0"/>
+            </a:endParaRPr>
+          </a:p>
+        </p:txBody>
+      </p:sp>
+      <p:sp>
+        <p:nvSpPr>
+          <p:cNvPr id="8" name="Title 1"/>
+          <p:cNvSpPr txBox="1">
+            <a:spLocks/>
+          </p:cNvSpPr>
+          <p:nvPr/>
+        </p:nvSpPr>
+        <p:spPr>
+          <a:xfrm>
+            <a:off x="2108934" y="2987902"/>
+            <a:ext cx="7412446" cy="806272"/>
+          </a:xfrm>
+          <a:prstGeom prst="rect">
+            <a:avLst/>
+          </a:prstGeom>
+        </p:spPr>
+        <p:txBody>
+          <a:bodyPr vert="horz" lIns="91440" tIns="45720" rIns="91440" bIns="45720" rtlCol="0" anchor="b">
+            <a:noAutofit/>
+          </a:bodyPr>
+          <a:lstStyle>
+            <a:lvl1pPr algn="l" defTabSz="457200" rtl="0" eaLnBrk="1" latinLnBrk="0" hangingPunct="1">
+              <a:spcBef>
+                <a:spcPct val="0"/>
+              </a:spcBef>
+              <a:buNone/>
+              <a:defRPr sz="7200" b="0" i="0" kern="1200">
+                <a:solidFill>
+                  <a:schemeClr val="tx2"/>
+                </a:solidFill>
+                <a:latin typeface="+mj-lt"/>
+                <a:ea typeface="+mj-ea"/>
+                <a:cs typeface="+mj-cs"/>
+              </a:defRPr>
+            </a:lvl1pPr>
+            <a:lvl2pPr eaLnBrk="1" hangingPunct="1">
+              <a:defRPr>
+                <a:solidFill>
+                  <a:schemeClr val="tx2"/>
+                </a:solidFill>
+              </a:defRPr>
+            </a:lvl2pPr>
+            <a:lvl3pPr eaLnBrk="1" hangingPunct="1">
+              <a:defRPr>
+                <a:solidFill>
+                  <a:schemeClr val="tx2"/>
+                </a:solidFill>
+              </a:defRPr>
+            </a:lvl3pPr>
+            <a:lvl4pPr eaLnBrk="1" hangingPunct="1">
+              <a:defRPr>
+                <a:solidFill>
+                  <a:schemeClr val="tx2"/>
+                </a:solidFill>
+              </a:defRPr>
+            </a:lvl4pPr>
+            <a:lvl5pPr eaLnBrk="1" hangingPunct="1">
+              <a:defRPr>
+                <a:solidFill>
+                  <a:schemeClr val="tx2"/>
+                </a:solidFill>
+              </a:defRPr>
+            </a:lvl5pPr>
+            <a:lvl6pPr eaLnBrk="1" hangingPunct="1">
+              <a:defRPr>
+                <a:solidFill>
+                  <a:schemeClr val="tx2"/>
+                </a:solidFill>
+              </a:defRPr>
+            </a:lvl6pPr>
+            <a:lvl7pPr eaLnBrk="1" hangingPunct="1">
+              <a:defRPr>
+                <a:solidFill>
+                  <a:schemeClr val="tx2"/>
+                </a:solidFill>
+              </a:defRPr>
+            </a:lvl7pPr>
+            <a:lvl8pPr eaLnBrk="1" hangingPunct="1">
+              <a:defRPr>
+                <a:solidFill>
+                  <a:schemeClr val="tx2"/>
+                </a:solidFill>
+              </a:defRPr>
+            </a:lvl8pPr>
+            <a:lvl9pPr eaLnBrk="1" hangingPunct="1">
+              <a:defRPr>
+                <a:solidFill>
+                  <a:schemeClr val="tx2"/>
+                </a:solidFill>
+              </a:defRPr>
+            </a:lvl9pPr>
+          </a:lstStyle>
+          <a:p>
+            <a:pPr marL="914400" indent="-914400">
+              <a:buFont typeface="+mj-lt"/>
+              <a:buAutoNum type="alphaUcPeriod" startAt="3"/>
+            </a:pPr>
+            <a:r>
+              <a:rPr lang="en-US" sz="3200" dirty="0" smtClean="0">
+                <a:latin typeface="Arial Black" panose="020B0A04020102020204" pitchFamily="34" charset="0"/>
+              </a:rPr>
+              <a:t>By Sea Freight</a:t>
+            </a:r>
+            <a:endParaRPr lang="en-US" sz="3200" dirty="0">
+              <a:latin typeface="Arial Black" panose="020B0A04020102020204" pitchFamily="34" charset="0"/>
+            </a:endParaRPr>
+          </a:p>
+        </p:txBody>
+      </p:sp>
+      <p:sp>
+        <p:nvSpPr>
+          <p:cNvPr id="9" name="Title 1"/>
+          <p:cNvSpPr txBox="1">
+            <a:spLocks/>
+          </p:cNvSpPr>
+          <p:nvPr/>
+        </p:nvSpPr>
+        <p:spPr>
+          <a:xfrm>
+            <a:off x="976820" y="3970649"/>
+            <a:ext cx="10184674" cy="806272"/>
+          </a:xfrm>
+          <a:prstGeom prst="rect">
+            <a:avLst/>
+          </a:prstGeom>
+        </p:spPr>
+        <p:txBody>
+          <a:bodyPr vert="horz" lIns="91440" tIns="45720" rIns="91440" bIns="45720" rtlCol="0" anchor="b">
+            <a:noAutofit/>
+          </a:bodyPr>
+          <a:lstStyle>
+            <a:lvl1pPr algn="l" defTabSz="457200" rtl="0" eaLnBrk="1" latinLnBrk="0" hangingPunct="1">
+              <a:spcBef>
+                <a:spcPct val="0"/>
+              </a:spcBef>
+              <a:buNone/>
+              <a:defRPr sz="7200" b="0" i="0" kern="1200">
+                <a:solidFill>
+                  <a:schemeClr val="tx2"/>
+                </a:solidFill>
+                <a:latin typeface="+mj-lt"/>
+                <a:ea typeface="+mj-ea"/>
+                <a:cs typeface="+mj-cs"/>
+              </a:defRPr>
+            </a:lvl1pPr>
+            <a:lvl2pPr eaLnBrk="1" hangingPunct="1">
+              <a:defRPr>
+                <a:solidFill>
+                  <a:schemeClr val="tx2"/>
+                </a:solidFill>
+              </a:defRPr>
+            </a:lvl2pPr>
+            <a:lvl3pPr eaLnBrk="1" hangingPunct="1">
+              <a:defRPr>
+                <a:solidFill>
+                  <a:schemeClr val="tx2"/>
+                </a:solidFill>
+              </a:defRPr>
+            </a:lvl3pPr>
+            <a:lvl4pPr eaLnBrk="1" hangingPunct="1">
+              <a:defRPr>
+                <a:solidFill>
+                  <a:schemeClr val="tx2"/>
+                </a:solidFill>
+              </a:defRPr>
+            </a:lvl4pPr>
+            <a:lvl5pPr eaLnBrk="1" hangingPunct="1">
+              <a:defRPr>
+                <a:solidFill>
+                  <a:schemeClr val="tx2"/>
+                </a:solidFill>
+              </a:defRPr>
+            </a:lvl5pPr>
+            <a:lvl6pPr eaLnBrk="1" hangingPunct="1">
+              <a:defRPr>
+                <a:solidFill>
+                  <a:schemeClr val="tx2"/>
+                </a:solidFill>
+              </a:defRPr>
+            </a:lvl6pPr>
+            <a:lvl7pPr eaLnBrk="1" hangingPunct="1">
+              <a:defRPr>
+                <a:solidFill>
+                  <a:schemeClr val="tx2"/>
+                </a:solidFill>
+              </a:defRPr>
+            </a:lvl7pPr>
+            <a:lvl8pPr eaLnBrk="1" hangingPunct="1">
+              <a:defRPr>
+                <a:solidFill>
+                  <a:schemeClr val="tx2"/>
+                </a:solidFill>
+              </a:defRPr>
+            </a:lvl8pPr>
+            <a:lvl9pPr eaLnBrk="1" hangingPunct="1">
+              <a:defRPr>
+                <a:solidFill>
+                  <a:schemeClr val="tx2"/>
+                </a:solidFill>
+              </a:defRPr>
+            </a:lvl9pPr>
+          </a:lstStyle>
+          <a:p>
+            <a:r>
+              <a:rPr lang="en-US" sz="3600" dirty="0">
+                <a:solidFill>
+                  <a:srgbClr val="EBEBEB"/>
+                </a:solidFill>
+                <a:latin typeface="Arial Black" panose="020B0A04020102020204" pitchFamily="34" charset="0"/>
+              </a:rPr>
+              <a:t>6. MANUAL DOC SERIES</a:t>
+            </a:r>
+            <a:endParaRPr lang="en-US" sz="3600" dirty="0">
+              <a:latin typeface="Arial Black" panose="020B0A04020102020204" pitchFamily="34" charset="0"/>
+            </a:endParaRPr>
+          </a:p>
+        </p:txBody>
+      </p:sp>
+      <p:sp>
+        <p:nvSpPr>
+          <p:cNvPr id="10" name="Title 1"/>
+          <p:cNvSpPr txBox="1">
+            <a:spLocks/>
+          </p:cNvSpPr>
+          <p:nvPr/>
+        </p:nvSpPr>
+        <p:spPr>
+          <a:xfrm>
+            <a:off x="976820" y="4631780"/>
+            <a:ext cx="11011989" cy="806272"/>
+          </a:xfrm>
+          <a:prstGeom prst="rect">
+            <a:avLst/>
+          </a:prstGeom>
+        </p:spPr>
+        <p:txBody>
+          <a:bodyPr vert="horz" lIns="91440" tIns="45720" rIns="91440" bIns="45720" rtlCol="0" anchor="b">
+            <a:noAutofit/>
+          </a:bodyPr>
+          <a:lstStyle>
+            <a:lvl1pPr algn="l" defTabSz="457200" rtl="0" eaLnBrk="1" latinLnBrk="0" hangingPunct="1">
+              <a:spcBef>
+                <a:spcPct val="0"/>
+              </a:spcBef>
+              <a:buNone/>
+              <a:defRPr sz="7200" b="0" i="0" kern="1200">
+                <a:solidFill>
+                  <a:schemeClr val="tx2"/>
+                </a:solidFill>
+                <a:latin typeface="+mj-lt"/>
+                <a:ea typeface="+mj-ea"/>
+                <a:cs typeface="+mj-cs"/>
+              </a:defRPr>
+            </a:lvl1pPr>
+            <a:lvl2pPr eaLnBrk="1" hangingPunct="1">
+              <a:defRPr>
+                <a:solidFill>
+                  <a:schemeClr val="tx2"/>
+                </a:solidFill>
+              </a:defRPr>
+            </a:lvl2pPr>
+            <a:lvl3pPr eaLnBrk="1" hangingPunct="1">
+              <a:defRPr>
+                <a:solidFill>
+                  <a:schemeClr val="tx2"/>
+                </a:solidFill>
+              </a:defRPr>
+            </a:lvl3pPr>
+            <a:lvl4pPr eaLnBrk="1" hangingPunct="1">
+              <a:defRPr>
+                <a:solidFill>
+                  <a:schemeClr val="tx2"/>
+                </a:solidFill>
+              </a:defRPr>
+            </a:lvl4pPr>
+            <a:lvl5pPr eaLnBrk="1" hangingPunct="1">
+              <a:defRPr>
+                <a:solidFill>
+                  <a:schemeClr val="tx2"/>
+                </a:solidFill>
+              </a:defRPr>
+            </a:lvl5pPr>
+            <a:lvl6pPr eaLnBrk="1" hangingPunct="1">
+              <a:defRPr>
+                <a:solidFill>
+                  <a:schemeClr val="tx2"/>
+                </a:solidFill>
+              </a:defRPr>
+            </a:lvl6pPr>
+            <a:lvl7pPr eaLnBrk="1" hangingPunct="1">
+              <a:defRPr>
+                <a:solidFill>
+                  <a:schemeClr val="tx2"/>
+                </a:solidFill>
+              </a:defRPr>
+            </a:lvl7pPr>
+            <a:lvl8pPr eaLnBrk="1" hangingPunct="1">
+              <a:defRPr>
+                <a:solidFill>
+                  <a:schemeClr val="tx2"/>
+                </a:solidFill>
+              </a:defRPr>
+            </a:lvl8pPr>
+            <a:lvl9pPr eaLnBrk="1" hangingPunct="1">
+              <a:defRPr>
+                <a:solidFill>
+                  <a:schemeClr val="tx2"/>
+                </a:solidFill>
+              </a:defRPr>
+            </a:lvl9pPr>
+          </a:lstStyle>
+          <a:p>
+            <a:r>
+              <a:rPr lang="en-US" sz="3600" dirty="0" smtClean="0">
+                <a:latin typeface="Arial Black" panose="020B0A04020102020204" pitchFamily="34" charset="0"/>
+              </a:rPr>
+              <a:t>    (MANUAL PRINTED DELIVERY RECEIPT)</a:t>
+            </a:r>
+            <a:endParaRPr lang="en-US" sz="3600" dirty="0">
+              <a:latin typeface="Arial Black" panose="020B0A04020102020204" pitchFamily="34" charset="0"/>
+            </a:endParaRPr>
+          </a:p>
+        </p:txBody>
+      </p:sp>
+    </p:spTree>
+    <p:extLst>
+      <p:ext uri="{BB962C8B-B14F-4D97-AF65-F5344CB8AC3E}">
+        <p14:creationId xmlns:p14="http://schemas.microsoft.com/office/powerpoint/2010/main" val="805438152"/>
+      </p:ext>
+    </p:extLst>
+  </p:cSld>
+  <p:clrMapOvr>
+    <a:masterClrMapping/>
+  </p:clrMapOvr>
+  <p:transition spd="slow">
+    <p:push dir="r"/>
+  </p:transition>
+  <p:timing>
+    <p:tnLst>
+      <p:par>
+        <p:cTn id="1" dur="indefinite" restart="never" nodeType="tmRoot">
+          <p:childTnLst>
+            <p:seq concurrent="1" nextAc="seek">
+              <p:cTn id="2" dur="indefinite" nodeType="mainSeq">
+                <p:childTnLst>
+                  <p:par>
+                    <p:cTn id="3" fill="hold">
+                      <p:stCondLst>
+                        <p:cond delay="indefinite"/>
+                      </p:stCondLst>
+                      <p:childTnLst>
+                        <p:par>
+                          <p:cTn id="4" fill="hold">
+                            <p:stCondLst>
+                              <p:cond delay="0"/>
+                            </p:stCondLst>
+                            <p:childTnLst>
+                              <p:par>
+                                <p:cTn id="5" presetID="2" presetClass="entr" presetSubtype="8" fill="hold" grpId="0" nodeType="clickEffect">
+                                  <p:stCondLst>
+                                    <p:cond delay="0"/>
+                                  </p:stCondLst>
+                                  <p:childTnLst>
+                                    <p:set>
+                                      <p:cBhvr>
+                                        <p:cTn id="6" dur="1" fill="hold">
+                                          <p:stCondLst>
+                                            <p:cond delay="0"/>
+                                          </p:stCondLst>
+                                        </p:cTn>
+                                        <p:tgtEl>
+                                          <p:spTgt spid="2"/>
+                                        </p:tgtEl>
+                                        <p:attrNameLst>
+                                          <p:attrName>style.visibility</p:attrName>
+                                        </p:attrNameLst>
+                                      </p:cBhvr>
+                                      <p:to>
+                                        <p:strVal val="visible"/>
+                                      </p:to>
+                                    </p:set>
+                                    <p:anim calcmode="lin" valueType="num">
+                                      <p:cBhvr additive="base">
+                                        <p:cTn id="7" dur="500" fill="hold"/>
+                                        <p:tgtEl>
+                                          <p:spTgt spid="2"/>
+                                        </p:tgtEl>
+                                        <p:attrNameLst>
+                                          <p:attrName>ppt_x</p:attrName>
+                                        </p:attrNameLst>
+                                      </p:cBhvr>
+                                      <p:tavLst>
+                                        <p:tav tm="0">
+                                          <p:val>
+                                            <p:strVal val="0-#ppt_w/2"/>
+                                          </p:val>
+                                        </p:tav>
+                                        <p:tav tm="100000">
+                                          <p:val>
+                                            <p:strVal val="#ppt_x"/>
+                                          </p:val>
+                                        </p:tav>
+                                      </p:tavLst>
+                                    </p:anim>
+                                    <p:anim calcmode="lin" valueType="num">
+                                      <p:cBhvr additive="base">
+                                        <p:cTn id="8" dur="500" fill="hold"/>
+                                        <p:tgtEl>
+                                          <p:spTgt spid="2"/>
+                                        </p:tgtEl>
+                                        <p:attrNameLst>
+                                          <p:attrName>ppt_y</p:attrName>
+                                        </p:attrNameLst>
+                                      </p:cBhvr>
+                                      <p:tavLst>
+                                        <p:tav tm="0">
+                                          <p:val>
+                                            <p:strVal val="#ppt_y"/>
+                                          </p:val>
+                                        </p:tav>
+                                        <p:tav tm="100000">
+                                          <p:val>
+                                            <p:strVal val="#ppt_y"/>
+                                          </p:val>
+                                        </p:tav>
+                                      </p:tavLst>
+                                    </p:anim>
+                                  </p:childTnLst>
+                                </p:cTn>
+                              </p:par>
+                            </p:childTnLst>
+                          </p:cTn>
+                        </p:par>
+                      </p:childTnLst>
+                    </p:cTn>
+                  </p:par>
+                  <p:par>
+                    <p:cTn id="9" fill="hold">
+                      <p:stCondLst>
+                        <p:cond delay="indefinite"/>
+                      </p:stCondLst>
+                      <p:childTnLst>
+                        <p:par>
+                          <p:cTn id="10" fill="hold">
+                            <p:stCondLst>
+                              <p:cond delay="0"/>
+                            </p:stCondLst>
+                            <p:childTnLst>
+                              <p:par>
+                                <p:cTn id="11" presetID="2" presetClass="entr" presetSubtype="8" fill="hold" grpId="0" nodeType="clickEffect">
+                                  <p:stCondLst>
+                                    <p:cond delay="0"/>
+                                  </p:stCondLst>
+                                  <p:childTnLst>
+                                    <p:set>
+                                      <p:cBhvr>
+                                        <p:cTn id="12" dur="1" fill="hold">
+                                          <p:stCondLst>
+                                            <p:cond delay="0"/>
+                                          </p:stCondLst>
+                                        </p:cTn>
+                                        <p:tgtEl>
+                                          <p:spTgt spid="3"/>
+                                        </p:tgtEl>
+                                        <p:attrNameLst>
+                                          <p:attrName>style.visibility</p:attrName>
+                                        </p:attrNameLst>
+                                      </p:cBhvr>
+                                      <p:to>
+                                        <p:strVal val="visible"/>
+                                      </p:to>
+                                    </p:set>
+                                    <p:anim calcmode="lin" valueType="num">
+                                      <p:cBhvr additive="base">
+                                        <p:cTn id="13" dur="500" fill="hold"/>
+                                        <p:tgtEl>
+                                          <p:spTgt spid="3"/>
+                                        </p:tgtEl>
+                                        <p:attrNameLst>
+                                          <p:attrName>ppt_x</p:attrName>
+                                        </p:attrNameLst>
+                                      </p:cBhvr>
+                                      <p:tavLst>
+                                        <p:tav tm="0">
+                                          <p:val>
+                                            <p:strVal val="0-#ppt_w/2"/>
+                                          </p:val>
+                                        </p:tav>
+                                        <p:tav tm="100000">
+                                          <p:val>
+                                            <p:strVal val="#ppt_x"/>
+                                          </p:val>
+                                        </p:tav>
+                                      </p:tavLst>
+                                    </p:anim>
+                                    <p:anim calcmode="lin" valueType="num">
+                                      <p:cBhvr additive="base">
+                                        <p:cTn id="14" dur="500" fill="hold"/>
+                                        <p:tgtEl>
+                                          <p:spTgt spid="3"/>
+                                        </p:tgtEl>
+                                        <p:attrNameLst>
+                                          <p:attrName>ppt_y</p:attrName>
+                                        </p:attrNameLst>
+                                      </p:cBhvr>
+                                      <p:tavLst>
+                                        <p:tav tm="0">
+                                          <p:val>
+                                            <p:strVal val="#ppt_y"/>
+                                          </p:val>
+                                        </p:tav>
+                                        <p:tav tm="100000">
+                                          <p:val>
+                                            <p:strVal val="#ppt_y"/>
+                                          </p:val>
+                                        </p:tav>
+                                      </p:tavLst>
+                                    </p:anim>
+                                  </p:childTnLst>
+                                </p:cTn>
+                              </p:par>
+                            </p:childTnLst>
+                          </p:cTn>
+                        </p:par>
+                      </p:childTnLst>
+                    </p:cTn>
+                  </p:par>
+                  <p:par>
+                    <p:cTn id="15" fill="hold">
+                      <p:stCondLst>
+                        <p:cond delay="indefinite"/>
+                      </p:stCondLst>
+                      <p:childTnLst>
+                        <p:par>
+                          <p:cTn id="16" fill="hold">
+                            <p:stCondLst>
+                              <p:cond delay="0"/>
+                            </p:stCondLst>
+                            <p:childTnLst>
+                              <p:par>
+                                <p:cTn id="17" presetID="2" presetClass="entr" presetSubtype="8" fill="hold" grpId="0" nodeType="clickEffect">
+                                  <p:stCondLst>
+                                    <p:cond delay="0"/>
+                                  </p:stCondLst>
+                                  <p:childTnLst>
+                                    <p:set>
+                                      <p:cBhvr>
+                                        <p:cTn id="18" dur="1" fill="hold">
+                                          <p:stCondLst>
+                                            <p:cond delay="0"/>
+                                          </p:stCondLst>
+                                        </p:cTn>
+                                        <p:tgtEl>
+                                          <p:spTgt spid="7"/>
+                                        </p:tgtEl>
+                                        <p:attrNameLst>
+                                          <p:attrName>style.visibility</p:attrName>
+                                        </p:attrNameLst>
+                                      </p:cBhvr>
+                                      <p:to>
+                                        <p:strVal val="visible"/>
+                                      </p:to>
+                                    </p:set>
+                                    <p:anim calcmode="lin" valueType="num">
+                                      <p:cBhvr additive="base">
+                                        <p:cTn id="19" dur="500" fill="hold"/>
+                                        <p:tgtEl>
+                                          <p:spTgt spid="7"/>
+                                        </p:tgtEl>
+                                        <p:attrNameLst>
+                                          <p:attrName>ppt_x</p:attrName>
+                                        </p:attrNameLst>
+                                      </p:cBhvr>
+                                      <p:tavLst>
+                                        <p:tav tm="0">
+                                          <p:val>
+                                            <p:strVal val="0-#ppt_w/2"/>
+                                          </p:val>
+                                        </p:tav>
+                                        <p:tav tm="100000">
+                                          <p:val>
+                                            <p:strVal val="#ppt_x"/>
+                                          </p:val>
+                                        </p:tav>
+                                      </p:tavLst>
+                                    </p:anim>
+                                    <p:anim calcmode="lin" valueType="num">
+                                      <p:cBhvr additive="base">
+                                        <p:cTn id="20" dur="500" fill="hold"/>
+                                        <p:tgtEl>
+                                          <p:spTgt spid="7"/>
+                                        </p:tgtEl>
+                                        <p:attrNameLst>
+                                          <p:attrName>ppt_y</p:attrName>
+                                        </p:attrNameLst>
+                                      </p:cBhvr>
+                                      <p:tavLst>
+                                        <p:tav tm="0">
+                                          <p:val>
+                                            <p:strVal val="#ppt_y"/>
+                                          </p:val>
+                                        </p:tav>
+                                        <p:tav tm="100000">
+                                          <p:val>
+                                            <p:strVal val="#ppt_y"/>
+                                          </p:val>
+                                        </p:tav>
+                                      </p:tavLst>
+                                    </p:anim>
+                                  </p:childTnLst>
+                                </p:cTn>
+                              </p:par>
+                            </p:childTnLst>
+                          </p:cTn>
+                        </p:par>
+                      </p:childTnLst>
+                    </p:cTn>
+                  </p:par>
+                  <p:par>
+                    <p:cTn id="21" fill="hold">
+                      <p:stCondLst>
+                        <p:cond delay="indefinite"/>
+                      </p:stCondLst>
+                      <p:childTnLst>
+                        <p:par>
+                          <p:cTn id="22" fill="hold">
+                            <p:stCondLst>
+                              <p:cond delay="0"/>
+                            </p:stCondLst>
+                            <p:childTnLst>
+                              <p:par>
+                                <p:cTn id="23" presetID="2" presetClass="entr" presetSubtype="8" fill="hold" grpId="0" nodeType="clickEffect">
+                                  <p:stCondLst>
+                                    <p:cond delay="0"/>
+                                  </p:stCondLst>
+                                  <p:childTnLst>
+                                    <p:set>
+                                      <p:cBhvr>
+                                        <p:cTn id="24" dur="1" fill="hold">
+                                          <p:stCondLst>
+                                            <p:cond delay="0"/>
+                                          </p:stCondLst>
+                                        </p:cTn>
+                                        <p:tgtEl>
+                                          <p:spTgt spid="8"/>
+                                        </p:tgtEl>
+                                        <p:attrNameLst>
+                                          <p:attrName>style.visibility</p:attrName>
+                                        </p:attrNameLst>
+                                      </p:cBhvr>
+                                      <p:to>
+                                        <p:strVal val="visible"/>
+                                      </p:to>
+                                    </p:set>
+                                    <p:anim calcmode="lin" valueType="num">
+                                      <p:cBhvr additive="base">
+                                        <p:cTn id="25" dur="500" fill="hold"/>
+                                        <p:tgtEl>
+                                          <p:spTgt spid="8"/>
+                                        </p:tgtEl>
+                                        <p:attrNameLst>
+                                          <p:attrName>ppt_x</p:attrName>
+                                        </p:attrNameLst>
+                                      </p:cBhvr>
+                                      <p:tavLst>
+                                        <p:tav tm="0">
+                                          <p:val>
+                                            <p:strVal val="0-#ppt_w/2"/>
+                                          </p:val>
+                                        </p:tav>
+                                        <p:tav tm="100000">
+                                          <p:val>
+                                            <p:strVal val="#ppt_x"/>
+                                          </p:val>
+                                        </p:tav>
+                                      </p:tavLst>
+                                    </p:anim>
+                                    <p:anim calcmode="lin" valueType="num">
+                                      <p:cBhvr additive="base">
+                                        <p:cTn id="26" dur="500" fill="hold"/>
+                                        <p:tgtEl>
+                                          <p:spTgt spid="8"/>
+                                        </p:tgtEl>
+                                        <p:attrNameLst>
+                                          <p:attrName>ppt_y</p:attrName>
+                                        </p:attrNameLst>
+                                      </p:cBhvr>
+                                      <p:tavLst>
+                                        <p:tav tm="0">
+                                          <p:val>
+                                            <p:strVal val="#ppt_y"/>
+                                          </p:val>
+                                        </p:tav>
+                                        <p:tav tm="100000">
+                                          <p:val>
+                                            <p:strVal val="#ppt_y"/>
+                                          </p:val>
+                                        </p:tav>
+                                      </p:tavLst>
+                                    </p:anim>
+                                  </p:childTnLst>
+                                </p:cTn>
+                              </p:par>
+                            </p:childTnLst>
+                          </p:cTn>
+                        </p:par>
+                      </p:childTnLst>
+                    </p:cTn>
+                  </p:par>
                   <p:par>
                     <p:cTn id="27" fill="hold">
                       <p:stCondLst>
@@ -7989,7 +8785,7 @@
                                           </p:stCondLst>
                                         </p:cTn>
                                         <p:tgtEl>
-                                          <p:spTgt spid="6"/>
+                                          <p:spTgt spid="9"/>
                                         </p:tgtEl>
                                         <p:attrNameLst>
                                           <p:attrName>style.visibility</p:attrName>
@@ -8003,7 +8799,7 @@
                                       <p:cBhvr additive="base">
                                         <p:cTn id="31" dur="500" fill="hold"/>
                                         <p:tgtEl>
-                                          <p:spTgt spid="6"/>
+                                          <p:spTgt spid="9"/>
                                         </p:tgtEl>
                                         <p:attrNameLst>
                                           <p:attrName>ppt_x</p:attrName>
@@ -8026,7 +8822,2508 @@
                                       <p:cBhvr additive="base">
                                         <p:cTn id="32" dur="500" fill="hold"/>
                                         <p:tgtEl>
-                                          <p:spTgt spid="6"/>
+                                          <p:spTgt spid="9"/>
+                                        </p:tgtEl>
+                                        <p:attrNameLst>
+                                          <p:attrName>ppt_y</p:attrName>
+                                        </p:attrNameLst>
+                                      </p:cBhvr>
+                                      <p:tavLst>
+                                        <p:tav tm="0">
+                                          <p:val>
+                                            <p:strVal val="#ppt_y"/>
+                                          </p:val>
+                                        </p:tav>
+                                        <p:tav tm="100000">
+                                          <p:val>
+                                            <p:strVal val="#ppt_y"/>
+                                          </p:val>
+                                        </p:tav>
+                                      </p:tavLst>
+                                    </p:anim>
+                                  </p:childTnLst>
+                                </p:cTn>
+                              </p:par>
+                            </p:childTnLst>
+                          </p:cTn>
+                        </p:par>
+                      </p:childTnLst>
+                    </p:cTn>
+                  </p:par>
+                  <p:par>
+                    <p:cTn id="33" fill="hold">
+                      <p:stCondLst>
+                        <p:cond delay="indefinite"/>
+                      </p:stCondLst>
+                      <p:childTnLst>
+                        <p:par>
+                          <p:cTn id="34" fill="hold">
+                            <p:stCondLst>
+                              <p:cond delay="0"/>
+                            </p:stCondLst>
+                            <p:childTnLst>
+                              <p:par>
+                                <p:cTn id="35" presetID="2" presetClass="entr" presetSubtype="8" fill="hold" grpId="0" nodeType="clickEffect">
+                                  <p:stCondLst>
+                                    <p:cond delay="0"/>
+                                  </p:stCondLst>
+                                  <p:childTnLst>
+                                    <p:set>
+                                      <p:cBhvr>
+                                        <p:cTn id="36" dur="1" fill="hold">
+                                          <p:stCondLst>
+                                            <p:cond delay="0"/>
+                                          </p:stCondLst>
+                                        </p:cTn>
+                                        <p:tgtEl>
+                                          <p:spTgt spid="10"/>
+                                        </p:tgtEl>
+                                        <p:attrNameLst>
+                                          <p:attrName>style.visibility</p:attrName>
+                                        </p:attrNameLst>
+                                      </p:cBhvr>
+                                      <p:to>
+                                        <p:strVal val="visible"/>
+                                      </p:to>
+                                    </p:set>
+                                    <p:anim calcmode="lin" valueType="num">
+                                      <p:cBhvr additive="base">
+                                        <p:cTn id="37" dur="500" fill="hold"/>
+                                        <p:tgtEl>
+                                          <p:spTgt spid="10"/>
+                                        </p:tgtEl>
+                                        <p:attrNameLst>
+                                          <p:attrName>ppt_x</p:attrName>
+                                        </p:attrNameLst>
+                                      </p:cBhvr>
+                                      <p:tavLst>
+                                        <p:tav tm="0">
+                                          <p:val>
+                                            <p:strVal val="0-#ppt_w/2"/>
+                                          </p:val>
+                                        </p:tav>
+                                        <p:tav tm="100000">
+                                          <p:val>
+                                            <p:strVal val="#ppt_x"/>
+                                          </p:val>
+                                        </p:tav>
+                                      </p:tavLst>
+                                    </p:anim>
+                                    <p:anim calcmode="lin" valueType="num">
+                                      <p:cBhvr additive="base">
+                                        <p:cTn id="38" dur="500" fill="hold"/>
+                                        <p:tgtEl>
+                                          <p:spTgt spid="10"/>
+                                        </p:tgtEl>
+                                        <p:attrNameLst>
+                                          <p:attrName>ppt_y</p:attrName>
+                                        </p:attrNameLst>
+                                      </p:cBhvr>
+                                      <p:tavLst>
+                                        <p:tav tm="0">
+                                          <p:val>
+                                            <p:strVal val="#ppt_y"/>
+                                          </p:val>
+                                        </p:tav>
+                                        <p:tav tm="100000">
+                                          <p:val>
+                                            <p:strVal val="#ppt_y"/>
+                                          </p:val>
+                                        </p:tav>
+                                      </p:tavLst>
+                                    </p:anim>
+                                  </p:childTnLst>
+                                </p:cTn>
+                              </p:par>
+                            </p:childTnLst>
+                          </p:cTn>
+                        </p:par>
+                      </p:childTnLst>
+                    </p:cTn>
+                  </p:par>
+                </p:childTnLst>
+              </p:cTn>
+              <p:prevCondLst>
+                <p:cond evt="onPrev" delay="0">
+                  <p:tgtEl>
+                    <p:sldTgt/>
+                  </p:tgtEl>
+                </p:cond>
+              </p:prevCondLst>
+              <p:nextCondLst>
+                <p:cond evt="onNext" delay="0">
+                  <p:tgtEl>
+                    <p:sldTgt/>
+                  </p:tgtEl>
+                </p:cond>
+              </p:nextCondLst>
+            </p:seq>
+          </p:childTnLst>
+        </p:cTn>
+      </p:par>
+    </p:tnLst>
+    <p:bldLst>
+      <p:bldP spid="2" grpId="0"/>
+      <p:bldP spid="3" grpId="0"/>
+      <p:bldP spid="7" grpId="0"/>
+      <p:bldP spid="8" grpId="0"/>
+      <p:bldP spid="9" grpId="0"/>
+      <p:bldP spid="10" grpId="0"/>
+    </p:bldLst>
+  </p:timing>
+</p:sld>
+</file>
+
+<file path=ppt/slides/slide4.xml><?xml version="1.0" encoding="utf-8"?>
+<p:sld xmlns:a="http://schemas.openxmlformats.org/drawingml/2006/main" xmlns:r="http://schemas.openxmlformats.org/officeDocument/2006/relationships" xmlns:p="http://schemas.openxmlformats.org/presentationml/2006/main">
+  <p:cSld>
+    <p:spTree>
+      <p:nvGrpSpPr>
+        <p:cNvPr id="1" name=""/>
+        <p:cNvGrpSpPr/>
+        <p:nvPr/>
+      </p:nvGrpSpPr>
+      <p:grpSpPr>
+        <a:xfrm>
+          <a:off x="0" y="0"/>
+          <a:ext cx="0" cy="0"/>
+          <a:chOff x="0" y="0"/>
+          <a:chExt cx="0" cy="0"/>
+        </a:xfrm>
+      </p:grpSpPr>
+      <p:sp>
+        <p:nvSpPr>
+          <p:cNvPr id="2" name="Title 1"/>
+          <p:cNvSpPr>
+            <a:spLocks noGrp="1"/>
+          </p:cNvSpPr>
+          <p:nvPr>
+            <p:ph type="ctrTitle"/>
+          </p:nvPr>
+        </p:nvSpPr>
+        <p:spPr>
+          <a:xfrm>
+            <a:off x="976820" y="1024716"/>
+            <a:ext cx="8544560" cy="806272"/>
+          </a:xfrm>
+        </p:spPr>
+        <p:txBody>
+          <a:bodyPr anchor="b"/>
+          <a:lstStyle/>
+          <a:p>
+            <a:pPr marL="742950" indent="-742950">
+              <a:buFont typeface="+mj-lt"/>
+              <a:buAutoNum type="arabicPeriod" startAt="7"/>
+            </a:pPr>
+            <a:r>
+              <a:rPr lang="en-US" sz="3600" dirty="0" smtClean="0">
+                <a:latin typeface="Arial Black" panose="020B0A04020102020204" pitchFamily="34" charset="0"/>
+              </a:rPr>
+              <a:t>REASON FOR ITR</a:t>
+            </a:r>
+            <a:endParaRPr lang="en-US" sz="3600" dirty="0">
+              <a:latin typeface="Arial Black" panose="020B0A04020102020204" pitchFamily="34" charset="0"/>
+            </a:endParaRPr>
+          </a:p>
+        </p:txBody>
+      </p:sp>
+      <p:sp>
+        <p:nvSpPr>
+          <p:cNvPr id="3" name="Title 1"/>
+          <p:cNvSpPr txBox="1">
+            <a:spLocks/>
+          </p:cNvSpPr>
+          <p:nvPr/>
+        </p:nvSpPr>
+        <p:spPr>
+          <a:xfrm>
+            <a:off x="2108934" y="1714875"/>
+            <a:ext cx="7412446" cy="806272"/>
+          </a:xfrm>
+          <a:prstGeom prst="rect">
+            <a:avLst/>
+          </a:prstGeom>
+        </p:spPr>
+        <p:txBody>
+          <a:bodyPr vert="horz" lIns="91440" tIns="45720" rIns="91440" bIns="45720" rtlCol="0" anchor="b">
+            <a:noAutofit/>
+          </a:bodyPr>
+          <a:lstStyle>
+            <a:lvl1pPr algn="l" defTabSz="457200" rtl="0" eaLnBrk="1" latinLnBrk="0" hangingPunct="1">
+              <a:spcBef>
+                <a:spcPct val="0"/>
+              </a:spcBef>
+              <a:buNone/>
+              <a:defRPr sz="7200" b="0" i="0" kern="1200">
+                <a:solidFill>
+                  <a:schemeClr val="tx2"/>
+                </a:solidFill>
+                <a:latin typeface="+mj-lt"/>
+                <a:ea typeface="+mj-ea"/>
+                <a:cs typeface="+mj-cs"/>
+              </a:defRPr>
+            </a:lvl1pPr>
+            <a:lvl2pPr eaLnBrk="1" hangingPunct="1">
+              <a:defRPr>
+                <a:solidFill>
+                  <a:schemeClr val="tx2"/>
+                </a:solidFill>
+              </a:defRPr>
+            </a:lvl2pPr>
+            <a:lvl3pPr eaLnBrk="1" hangingPunct="1">
+              <a:defRPr>
+                <a:solidFill>
+                  <a:schemeClr val="tx2"/>
+                </a:solidFill>
+              </a:defRPr>
+            </a:lvl3pPr>
+            <a:lvl4pPr eaLnBrk="1" hangingPunct="1">
+              <a:defRPr>
+                <a:solidFill>
+                  <a:schemeClr val="tx2"/>
+                </a:solidFill>
+              </a:defRPr>
+            </a:lvl4pPr>
+            <a:lvl5pPr eaLnBrk="1" hangingPunct="1">
+              <a:defRPr>
+                <a:solidFill>
+                  <a:schemeClr val="tx2"/>
+                </a:solidFill>
+              </a:defRPr>
+            </a:lvl5pPr>
+            <a:lvl6pPr eaLnBrk="1" hangingPunct="1">
+              <a:defRPr>
+                <a:solidFill>
+                  <a:schemeClr val="tx2"/>
+                </a:solidFill>
+              </a:defRPr>
+            </a:lvl6pPr>
+            <a:lvl7pPr eaLnBrk="1" hangingPunct="1">
+              <a:defRPr>
+                <a:solidFill>
+                  <a:schemeClr val="tx2"/>
+                </a:solidFill>
+              </a:defRPr>
+            </a:lvl7pPr>
+            <a:lvl8pPr eaLnBrk="1" hangingPunct="1">
+              <a:defRPr>
+                <a:solidFill>
+                  <a:schemeClr val="tx2"/>
+                </a:solidFill>
+              </a:defRPr>
+            </a:lvl8pPr>
+            <a:lvl9pPr eaLnBrk="1" hangingPunct="1">
+              <a:defRPr>
+                <a:solidFill>
+                  <a:schemeClr val="tx2"/>
+                </a:solidFill>
+              </a:defRPr>
+            </a:lvl9pPr>
+          </a:lstStyle>
+          <a:p>
+            <a:pPr marL="914400" indent="-914400">
+              <a:buFont typeface="+mj-lt"/>
+              <a:buAutoNum type="alphaUcPeriod"/>
+            </a:pPr>
+            <a:r>
+              <a:rPr lang="en-US" sz="3200" dirty="0" smtClean="0">
+                <a:latin typeface="Arial Black" panose="020B0A04020102020204" pitchFamily="34" charset="0"/>
+              </a:rPr>
+              <a:t>For Regular Allocation</a:t>
+            </a:r>
+            <a:endParaRPr lang="en-US" sz="3200" dirty="0">
+              <a:latin typeface="Arial Black" panose="020B0A04020102020204" pitchFamily="34" charset="0"/>
+            </a:endParaRPr>
+          </a:p>
+        </p:txBody>
+      </p:sp>
+      <p:sp>
+        <p:nvSpPr>
+          <p:cNvPr id="7" name="Title 1"/>
+          <p:cNvSpPr txBox="1">
+            <a:spLocks/>
+          </p:cNvSpPr>
+          <p:nvPr/>
+        </p:nvSpPr>
+        <p:spPr>
+          <a:xfrm>
+            <a:off x="2108934" y="2351389"/>
+            <a:ext cx="7412446" cy="806272"/>
+          </a:xfrm>
+          <a:prstGeom prst="rect">
+            <a:avLst/>
+          </a:prstGeom>
+        </p:spPr>
+        <p:txBody>
+          <a:bodyPr vert="horz" lIns="91440" tIns="45720" rIns="91440" bIns="45720" rtlCol="0" anchor="b">
+            <a:noAutofit/>
+          </a:bodyPr>
+          <a:lstStyle>
+            <a:lvl1pPr algn="l" defTabSz="457200" rtl="0" eaLnBrk="1" latinLnBrk="0" hangingPunct="1">
+              <a:spcBef>
+                <a:spcPct val="0"/>
+              </a:spcBef>
+              <a:buNone/>
+              <a:defRPr sz="7200" b="0" i="0" kern="1200">
+                <a:solidFill>
+                  <a:schemeClr val="tx2"/>
+                </a:solidFill>
+                <a:latin typeface="+mj-lt"/>
+                <a:ea typeface="+mj-ea"/>
+                <a:cs typeface="+mj-cs"/>
+              </a:defRPr>
+            </a:lvl1pPr>
+            <a:lvl2pPr eaLnBrk="1" hangingPunct="1">
+              <a:defRPr>
+                <a:solidFill>
+                  <a:schemeClr val="tx2"/>
+                </a:solidFill>
+              </a:defRPr>
+            </a:lvl2pPr>
+            <a:lvl3pPr eaLnBrk="1" hangingPunct="1">
+              <a:defRPr>
+                <a:solidFill>
+                  <a:schemeClr val="tx2"/>
+                </a:solidFill>
+              </a:defRPr>
+            </a:lvl3pPr>
+            <a:lvl4pPr eaLnBrk="1" hangingPunct="1">
+              <a:defRPr>
+                <a:solidFill>
+                  <a:schemeClr val="tx2"/>
+                </a:solidFill>
+              </a:defRPr>
+            </a:lvl4pPr>
+            <a:lvl5pPr eaLnBrk="1" hangingPunct="1">
+              <a:defRPr>
+                <a:solidFill>
+                  <a:schemeClr val="tx2"/>
+                </a:solidFill>
+              </a:defRPr>
+            </a:lvl5pPr>
+            <a:lvl6pPr eaLnBrk="1" hangingPunct="1">
+              <a:defRPr>
+                <a:solidFill>
+                  <a:schemeClr val="tx2"/>
+                </a:solidFill>
+              </a:defRPr>
+            </a:lvl6pPr>
+            <a:lvl7pPr eaLnBrk="1" hangingPunct="1">
+              <a:defRPr>
+                <a:solidFill>
+                  <a:schemeClr val="tx2"/>
+                </a:solidFill>
+              </a:defRPr>
+            </a:lvl7pPr>
+            <a:lvl8pPr eaLnBrk="1" hangingPunct="1">
+              <a:defRPr>
+                <a:solidFill>
+                  <a:schemeClr val="tx2"/>
+                </a:solidFill>
+              </a:defRPr>
+            </a:lvl8pPr>
+            <a:lvl9pPr eaLnBrk="1" hangingPunct="1">
+              <a:defRPr>
+                <a:solidFill>
+                  <a:schemeClr val="tx2"/>
+                </a:solidFill>
+              </a:defRPr>
+            </a:lvl9pPr>
+          </a:lstStyle>
+          <a:p>
+            <a:pPr marL="914400" indent="-914400">
+              <a:buFont typeface="+mj-lt"/>
+              <a:buAutoNum type="alphaUcPeriod" startAt="2"/>
+            </a:pPr>
+            <a:r>
+              <a:rPr lang="en-US" sz="3200" dirty="0" smtClean="0">
+                <a:latin typeface="Arial Black" panose="020B0A04020102020204" pitchFamily="34" charset="0"/>
+              </a:rPr>
+              <a:t>For Display</a:t>
+            </a:r>
+            <a:endParaRPr lang="en-US" sz="3200" dirty="0">
+              <a:latin typeface="Arial Black" panose="020B0A04020102020204" pitchFamily="34" charset="0"/>
+            </a:endParaRPr>
+          </a:p>
+        </p:txBody>
+      </p:sp>
+      <p:sp>
+        <p:nvSpPr>
+          <p:cNvPr id="8" name="Title 1"/>
+          <p:cNvSpPr txBox="1">
+            <a:spLocks/>
+          </p:cNvSpPr>
+          <p:nvPr/>
+        </p:nvSpPr>
+        <p:spPr>
+          <a:xfrm>
+            <a:off x="2108934" y="2987902"/>
+            <a:ext cx="7412446" cy="806272"/>
+          </a:xfrm>
+          <a:prstGeom prst="rect">
+            <a:avLst/>
+          </a:prstGeom>
+        </p:spPr>
+        <p:txBody>
+          <a:bodyPr vert="horz" lIns="91440" tIns="45720" rIns="91440" bIns="45720" rtlCol="0" anchor="b">
+            <a:noAutofit/>
+          </a:bodyPr>
+          <a:lstStyle>
+            <a:lvl1pPr algn="l" defTabSz="457200" rtl="0" eaLnBrk="1" latinLnBrk="0" hangingPunct="1">
+              <a:spcBef>
+                <a:spcPct val="0"/>
+              </a:spcBef>
+              <a:buNone/>
+              <a:defRPr sz="7200" b="0" i="0" kern="1200">
+                <a:solidFill>
+                  <a:schemeClr val="tx2"/>
+                </a:solidFill>
+                <a:latin typeface="+mj-lt"/>
+                <a:ea typeface="+mj-ea"/>
+                <a:cs typeface="+mj-cs"/>
+              </a:defRPr>
+            </a:lvl1pPr>
+            <a:lvl2pPr eaLnBrk="1" hangingPunct="1">
+              <a:defRPr>
+                <a:solidFill>
+                  <a:schemeClr val="tx2"/>
+                </a:solidFill>
+              </a:defRPr>
+            </a:lvl2pPr>
+            <a:lvl3pPr eaLnBrk="1" hangingPunct="1">
+              <a:defRPr>
+                <a:solidFill>
+                  <a:schemeClr val="tx2"/>
+                </a:solidFill>
+              </a:defRPr>
+            </a:lvl3pPr>
+            <a:lvl4pPr eaLnBrk="1" hangingPunct="1">
+              <a:defRPr>
+                <a:solidFill>
+                  <a:schemeClr val="tx2"/>
+                </a:solidFill>
+              </a:defRPr>
+            </a:lvl4pPr>
+            <a:lvl5pPr eaLnBrk="1" hangingPunct="1">
+              <a:defRPr>
+                <a:solidFill>
+                  <a:schemeClr val="tx2"/>
+                </a:solidFill>
+              </a:defRPr>
+            </a:lvl5pPr>
+            <a:lvl6pPr eaLnBrk="1" hangingPunct="1">
+              <a:defRPr>
+                <a:solidFill>
+                  <a:schemeClr val="tx2"/>
+                </a:solidFill>
+              </a:defRPr>
+            </a:lvl6pPr>
+            <a:lvl7pPr eaLnBrk="1" hangingPunct="1">
+              <a:defRPr>
+                <a:solidFill>
+                  <a:schemeClr val="tx2"/>
+                </a:solidFill>
+              </a:defRPr>
+            </a:lvl7pPr>
+            <a:lvl8pPr eaLnBrk="1" hangingPunct="1">
+              <a:defRPr>
+                <a:solidFill>
+                  <a:schemeClr val="tx2"/>
+                </a:solidFill>
+              </a:defRPr>
+            </a:lvl8pPr>
+            <a:lvl9pPr eaLnBrk="1" hangingPunct="1">
+              <a:defRPr>
+                <a:solidFill>
+                  <a:schemeClr val="tx2"/>
+                </a:solidFill>
+              </a:defRPr>
+            </a:lvl9pPr>
+          </a:lstStyle>
+          <a:p>
+            <a:pPr marL="914400" indent="-914400">
+              <a:buFont typeface="+mj-lt"/>
+              <a:buAutoNum type="alphaUcPeriod" startAt="3"/>
+            </a:pPr>
+            <a:r>
+              <a:rPr lang="en-US" sz="3200" dirty="0" smtClean="0">
+                <a:latin typeface="Arial Black" panose="020B0A04020102020204" pitchFamily="34" charset="0"/>
+              </a:rPr>
+              <a:t>For Customer Order</a:t>
+            </a:r>
+            <a:endParaRPr lang="en-US" sz="3200" dirty="0">
+              <a:latin typeface="Arial Black" panose="020B0A04020102020204" pitchFamily="34" charset="0"/>
+            </a:endParaRPr>
+          </a:p>
+        </p:txBody>
+      </p:sp>
+      <p:sp>
+        <p:nvSpPr>
+          <p:cNvPr id="11" name="Title 1"/>
+          <p:cNvSpPr txBox="1">
+            <a:spLocks/>
+          </p:cNvSpPr>
+          <p:nvPr/>
+        </p:nvSpPr>
+        <p:spPr>
+          <a:xfrm>
+            <a:off x="2108934" y="3624416"/>
+            <a:ext cx="7412446" cy="806272"/>
+          </a:xfrm>
+          <a:prstGeom prst="rect">
+            <a:avLst/>
+          </a:prstGeom>
+        </p:spPr>
+        <p:txBody>
+          <a:bodyPr vert="horz" lIns="91440" tIns="45720" rIns="91440" bIns="45720" rtlCol="0" anchor="b">
+            <a:noAutofit/>
+          </a:bodyPr>
+          <a:lstStyle>
+            <a:lvl1pPr algn="l" defTabSz="457200" rtl="0" eaLnBrk="1" latinLnBrk="0" hangingPunct="1">
+              <a:spcBef>
+                <a:spcPct val="0"/>
+              </a:spcBef>
+              <a:buNone/>
+              <a:defRPr sz="7200" b="0" i="0" kern="1200">
+                <a:solidFill>
+                  <a:schemeClr val="tx2"/>
+                </a:solidFill>
+                <a:latin typeface="+mj-lt"/>
+                <a:ea typeface="+mj-ea"/>
+                <a:cs typeface="+mj-cs"/>
+              </a:defRPr>
+            </a:lvl1pPr>
+            <a:lvl2pPr eaLnBrk="1" hangingPunct="1">
+              <a:defRPr>
+                <a:solidFill>
+                  <a:schemeClr val="tx2"/>
+                </a:solidFill>
+              </a:defRPr>
+            </a:lvl2pPr>
+            <a:lvl3pPr eaLnBrk="1" hangingPunct="1">
+              <a:defRPr>
+                <a:solidFill>
+                  <a:schemeClr val="tx2"/>
+                </a:solidFill>
+              </a:defRPr>
+            </a:lvl3pPr>
+            <a:lvl4pPr eaLnBrk="1" hangingPunct="1">
+              <a:defRPr>
+                <a:solidFill>
+                  <a:schemeClr val="tx2"/>
+                </a:solidFill>
+              </a:defRPr>
+            </a:lvl4pPr>
+            <a:lvl5pPr eaLnBrk="1" hangingPunct="1">
+              <a:defRPr>
+                <a:solidFill>
+                  <a:schemeClr val="tx2"/>
+                </a:solidFill>
+              </a:defRPr>
+            </a:lvl5pPr>
+            <a:lvl6pPr eaLnBrk="1" hangingPunct="1">
+              <a:defRPr>
+                <a:solidFill>
+                  <a:schemeClr val="tx2"/>
+                </a:solidFill>
+              </a:defRPr>
+            </a:lvl6pPr>
+            <a:lvl7pPr eaLnBrk="1" hangingPunct="1">
+              <a:defRPr>
+                <a:solidFill>
+                  <a:schemeClr val="tx2"/>
+                </a:solidFill>
+              </a:defRPr>
+            </a:lvl7pPr>
+            <a:lvl8pPr eaLnBrk="1" hangingPunct="1">
+              <a:defRPr>
+                <a:solidFill>
+                  <a:schemeClr val="tx2"/>
+                </a:solidFill>
+              </a:defRPr>
+            </a:lvl8pPr>
+            <a:lvl9pPr eaLnBrk="1" hangingPunct="1">
+              <a:defRPr>
+                <a:solidFill>
+                  <a:schemeClr val="tx2"/>
+                </a:solidFill>
+              </a:defRPr>
+            </a:lvl9pPr>
+          </a:lstStyle>
+          <a:p>
+            <a:pPr marL="914400" indent="-914400">
+              <a:buFont typeface="+mj-lt"/>
+              <a:buAutoNum type="alphaUcPeriod" startAt="4"/>
+            </a:pPr>
+            <a:r>
+              <a:rPr lang="en-US" sz="3200" dirty="0" smtClean="0">
+                <a:latin typeface="Arial Black" panose="020B0A04020102020204" pitchFamily="34" charset="0"/>
+              </a:rPr>
+              <a:t>For Replenishment</a:t>
+            </a:r>
+            <a:endParaRPr lang="en-US" sz="3200" dirty="0">
+              <a:latin typeface="Arial Black" panose="020B0A04020102020204" pitchFamily="34" charset="0"/>
+            </a:endParaRPr>
+          </a:p>
+        </p:txBody>
+      </p:sp>
+      <p:sp>
+        <p:nvSpPr>
+          <p:cNvPr id="12" name="Title 1"/>
+          <p:cNvSpPr txBox="1">
+            <a:spLocks/>
+          </p:cNvSpPr>
+          <p:nvPr/>
+        </p:nvSpPr>
+        <p:spPr>
+          <a:xfrm>
+            <a:off x="2108934" y="4260929"/>
+            <a:ext cx="7412446" cy="806272"/>
+          </a:xfrm>
+          <a:prstGeom prst="rect">
+            <a:avLst/>
+          </a:prstGeom>
+        </p:spPr>
+        <p:txBody>
+          <a:bodyPr vert="horz" lIns="91440" tIns="45720" rIns="91440" bIns="45720" rtlCol="0" anchor="b">
+            <a:noAutofit/>
+          </a:bodyPr>
+          <a:lstStyle>
+            <a:lvl1pPr algn="l" defTabSz="457200" rtl="0" eaLnBrk="1" latinLnBrk="0" hangingPunct="1">
+              <a:spcBef>
+                <a:spcPct val="0"/>
+              </a:spcBef>
+              <a:buNone/>
+              <a:defRPr sz="7200" b="0" i="0" kern="1200">
+                <a:solidFill>
+                  <a:schemeClr val="tx2"/>
+                </a:solidFill>
+                <a:latin typeface="+mj-lt"/>
+                <a:ea typeface="+mj-ea"/>
+                <a:cs typeface="+mj-cs"/>
+              </a:defRPr>
+            </a:lvl1pPr>
+            <a:lvl2pPr eaLnBrk="1" hangingPunct="1">
+              <a:defRPr>
+                <a:solidFill>
+                  <a:schemeClr val="tx2"/>
+                </a:solidFill>
+              </a:defRPr>
+            </a:lvl2pPr>
+            <a:lvl3pPr eaLnBrk="1" hangingPunct="1">
+              <a:defRPr>
+                <a:solidFill>
+                  <a:schemeClr val="tx2"/>
+                </a:solidFill>
+              </a:defRPr>
+            </a:lvl3pPr>
+            <a:lvl4pPr eaLnBrk="1" hangingPunct="1">
+              <a:defRPr>
+                <a:solidFill>
+                  <a:schemeClr val="tx2"/>
+                </a:solidFill>
+              </a:defRPr>
+            </a:lvl4pPr>
+            <a:lvl5pPr eaLnBrk="1" hangingPunct="1">
+              <a:defRPr>
+                <a:solidFill>
+                  <a:schemeClr val="tx2"/>
+                </a:solidFill>
+              </a:defRPr>
+            </a:lvl5pPr>
+            <a:lvl6pPr eaLnBrk="1" hangingPunct="1">
+              <a:defRPr>
+                <a:solidFill>
+                  <a:schemeClr val="tx2"/>
+                </a:solidFill>
+              </a:defRPr>
+            </a:lvl6pPr>
+            <a:lvl7pPr eaLnBrk="1" hangingPunct="1">
+              <a:defRPr>
+                <a:solidFill>
+                  <a:schemeClr val="tx2"/>
+                </a:solidFill>
+              </a:defRPr>
+            </a:lvl7pPr>
+            <a:lvl8pPr eaLnBrk="1" hangingPunct="1">
+              <a:defRPr>
+                <a:solidFill>
+                  <a:schemeClr val="tx2"/>
+                </a:solidFill>
+              </a:defRPr>
+            </a:lvl8pPr>
+            <a:lvl9pPr eaLnBrk="1" hangingPunct="1">
+              <a:defRPr>
+                <a:solidFill>
+                  <a:schemeClr val="tx2"/>
+                </a:solidFill>
+              </a:defRPr>
+            </a:lvl9pPr>
+          </a:lstStyle>
+          <a:p>
+            <a:pPr marL="914400" indent="-914400">
+              <a:buFont typeface="+mj-lt"/>
+              <a:buAutoNum type="alphaUcPeriod" startAt="5"/>
+            </a:pPr>
+            <a:r>
+              <a:rPr lang="en-US" sz="3200" dirty="0" smtClean="0">
+                <a:latin typeface="Arial Black" panose="020B0A04020102020204" pitchFamily="34" charset="0"/>
+              </a:rPr>
+              <a:t>For Testing</a:t>
+            </a:r>
+            <a:endParaRPr lang="en-US" sz="3200" dirty="0">
+              <a:latin typeface="Arial Black" panose="020B0A04020102020204" pitchFamily="34" charset="0"/>
+            </a:endParaRPr>
+          </a:p>
+        </p:txBody>
+      </p:sp>
+      <p:sp>
+        <p:nvSpPr>
+          <p:cNvPr id="13" name="Title 1"/>
+          <p:cNvSpPr txBox="1">
+            <a:spLocks/>
+          </p:cNvSpPr>
+          <p:nvPr/>
+        </p:nvSpPr>
+        <p:spPr>
+          <a:xfrm>
+            <a:off x="2108934" y="4897443"/>
+            <a:ext cx="7412446" cy="806272"/>
+          </a:xfrm>
+          <a:prstGeom prst="rect">
+            <a:avLst/>
+          </a:prstGeom>
+        </p:spPr>
+        <p:txBody>
+          <a:bodyPr vert="horz" lIns="91440" tIns="45720" rIns="91440" bIns="45720" rtlCol="0" anchor="b">
+            <a:noAutofit/>
+          </a:bodyPr>
+          <a:lstStyle>
+            <a:lvl1pPr algn="l" defTabSz="457200" rtl="0" eaLnBrk="1" latinLnBrk="0" hangingPunct="1">
+              <a:spcBef>
+                <a:spcPct val="0"/>
+              </a:spcBef>
+              <a:buNone/>
+              <a:defRPr sz="7200" b="0" i="0" kern="1200">
+                <a:solidFill>
+                  <a:schemeClr val="tx2"/>
+                </a:solidFill>
+                <a:latin typeface="+mj-lt"/>
+                <a:ea typeface="+mj-ea"/>
+                <a:cs typeface="+mj-cs"/>
+              </a:defRPr>
+            </a:lvl1pPr>
+            <a:lvl2pPr eaLnBrk="1" hangingPunct="1">
+              <a:defRPr>
+                <a:solidFill>
+                  <a:schemeClr val="tx2"/>
+                </a:solidFill>
+              </a:defRPr>
+            </a:lvl2pPr>
+            <a:lvl3pPr eaLnBrk="1" hangingPunct="1">
+              <a:defRPr>
+                <a:solidFill>
+                  <a:schemeClr val="tx2"/>
+                </a:solidFill>
+              </a:defRPr>
+            </a:lvl3pPr>
+            <a:lvl4pPr eaLnBrk="1" hangingPunct="1">
+              <a:defRPr>
+                <a:solidFill>
+                  <a:schemeClr val="tx2"/>
+                </a:solidFill>
+              </a:defRPr>
+            </a:lvl4pPr>
+            <a:lvl5pPr eaLnBrk="1" hangingPunct="1">
+              <a:defRPr>
+                <a:solidFill>
+                  <a:schemeClr val="tx2"/>
+                </a:solidFill>
+              </a:defRPr>
+            </a:lvl5pPr>
+            <a:lvl6pPr eaLnBrk="1" hangingPunct="1">
+              <a:defRPr>
+                <a:solidFill>
+                  <a:schemeClr val="tx2"/>
+                </a:solidFill>
+              </a:defRPr>
+            </a:lvl6pPr>
+            <a:lvl7pPr eaLnBrk="1" hangingPunct="1">
+              <a:defRPr>
+                <a:solidFill>
+                  <a:schemeClr val="tx2"/>
+                </a:solidFill>
+              </a:defRPr>
+            </a:lvl7pPr>
+            <a:lvl8pPr eaLnBrk="1" hangingPunct="1">
+              <a:defRPr>
+                <a:solidFill>
+                  <a:schemeClr val="tx2"/>
+                </a:solidFill>
+              </a:defRPr>
+            </a:lvl8pPr>
+            <a:lvl9pPr eaLnBrk="1" hangingPunct="1">
+              <a:defRPr>
+                <a:solidFill>
+                  <a:schemeClr val="tx2"/>
+                </a:solidFill>
+              </a:defRPr>
+            </a:lvl9pPr>
+          </a:lstStyle>
+          <a:p>
+            <a:pPr marL="914400" indent="-914400">
+              <a:buFont typeface="+mj-lt"/>
+              <a:buAutoNum type="alphaUcPeriod" startAt="6"/>
+            </a:pPr>
+            <a:r>
+              <a:rPr lang="en-US" sz="3200" dirty="0" smtClean="0">
+                <a:latin typeface="Arial Black" panose="020B0A04020102020204" pitchFamily="34" charset="0"/>
+              </a:rPr>
+              <a:t>For Pull Out</a:t>
+            </a:r>
+            <a:endParaRPr lang="en-US" sz="3200" dirty="0">
+              <a:latin typeface="Arial Black" panose="020B0A04020102020204" pitchFamily="34" charset="0"/>
+            </a:endParaRPr>
+          </a:p>
+        </p:txBody>
+      </p:sp>
+      <p:sp>
+        <p:nvSpPr>
+          <p:cNvPr id="14" name="Title 1"/>
+          <p:cNvSpPr txBox="1">
+            <a:spLocks/>
+          </p:cNvSpPr>
+          <p:nvPr/>
+        </p:nvSpPr>
+        <p:spPr>
+          <a:xfrm>
+            <a:off x="2108934" y="5533956"/>
+            <a:ext cx="7412446" cy="806272"/>
+          </a:xfrm>
+          <a:prstGeom prst="rect">
+            <a:avLst/>
+          </a:prstGeom>
+        </p:spPr>
+        <p:txBody>
+          <a:bodyPr vert="horz" lIns="91440" tIns="45720" rIns="91440" bIns="45720" rtlCol="0" anchor="b">
+            <a:noAutofit/>
+          </a:bodyPr>
+          <a:lstStyle>
+            <a:lvl1pPr algn="l" defTabSz="457200" rtl="0" eaLnBrk="1" latinLnBrk="0" hangingPunct="1">
+              <a:spcBef>
+                <a:spcPct val="0"/>
+              </a:spcBef>
+              <a:buNone/>
+              <a:defRPr sz="7200" b="0" i="0" kern="1200">
+                <a:solidFill>
+                  <a:schemeClr val="tx2"/>
+                </a:solidFill>
+                <a:latin typeface="+mj-lt"/>
+                <a:ea typeface="+mj-ea"/>
+                <a:cs typeface="+mj-cs"/>
+              </a:defRPr>
+            </a:lvl1pPr>
+            <a:lvl2pPr eaLnBrk="1" hangingPunct="1">
+              <a:defRPr>
+                <a:solidFill>
+                  <a:schemeClr val="tx2"/>
+                </a:solidFill>
+              </a:defRPr>
+            </a:lvl2pPr>
+            <a:lvl3pPr eaLnBrk="1" hangingPunct="1">
+              <a:defRPr>
+                <a:solidFill>
+                  <a:schemeClr val="tx2"/>
+                </a:solidFill>
+              </a:defRPr>
+            </a:lvl3pPr>
+            <a:lvl4pPr eaLnBrk="1" hangingPunct="1">
+              <a:defRPr>
+                <a:solidFill>
+                  <a:schemeClr val="tx2"/>
+                </a:solidFill>
+              </a:defRPr>
+            </a:lvl4pPr>
+            <a:lvl5pPr eaLnBrk="1" hangingPunct="1">
+              <a:defRPr>
+                <a:solidFill>
+                  <a:schemeClr val="tx2"/>
+                </a:solidFill>
+              </a:defRPr>
+            </a:lvl5pPr>
+            <a:lvl6pPr eaLnBrk="1" hangingPunct="1">
+              <a:defRPr>
+                <a:solidFill>
+                  <a:schemeClr val="tx2"/>
+                </a:solidFill>
+              </a:defRPr>
+            </a:lvl6pPr>
+            <a:lvl7pPr eaLnBrk="1" hangingPunct="1">
+              <a:defRPr>
+                <a:solidFill>
+                  <a:schemeClr val="tx2"/>
+                </a:solidFill>
+              </a:defRPr>
+            </a:lvl7pPr>
+            <a:lvl8pPr eaLnBrk="1" hangingPunct="1">
+              <a:defRPr>
+                <a:solidFill>
+                  <a:schemeClr val="tx2"/>
+                </a:solidFill>
+              </a:defRPr>
+            </a:lvl8pPr>
+            <a:lvl9pPr eaLnBrk="1" hangingPunct="1">
+              <a:defRPr>
+                <a:solidFill>
+                  <a:schemeClr val="tx2"/>
+                </a:solidFill>
+              </a:defRPr>
+            </a:lvl9pPr>
+          </a:lstStyle>
+          <a:p>
+            <a:pPr marL="914400" indent="-914400">
+              <a:buFont typeface="+mj-lt"/>
+              <a:buAutoNum type="alphaUcPeriod" startAt="7"/>
+            </a:pPr>
+            <a:r>
+              <a:rPr lang="en-US" sz="3200" dirty="0" smtClean="0">
+                <a:latin typeface="Arial Black" panose="020B0A04020102020204" pitchFamily="34" charset="0"/>
+              </a:rPr>
+              <a:t>Others</a:t>
+            </a:r>
+            <a:endParaRPr lang="en-US" sz="3200" dirty="0">
+              <a:latin typeface="Arial Black" panose="020B0A04020102020204" pitchFamily="34" charset="0"/>
+            </a:endParaRPr>
+          </a:p>
+        </p:txBody>
+      </p:sp>
+    </p:spTree>
+    <p:extLst>
+      <p:ext uri="{BB962C8B-B14F-4D97-AF65-F5344CB8AC3E}">
+        <p14:creationId xmlns:p14="http://schemas.microsoft.com/office/powerpoint/2010/main" val="1418896421"/>
+      </p:ext>
+    </p:extLst>
+  </p:cSld>
+  <p:clrMapOvr>
+    <a:masterClrMapping/>
+  </p:clrMapOvr>
+  <p:transition spd="slow">
+    <p:push dir="r"/>
+  </p:transition>
+  <p:timing>
+    <p:tnLst>
+      <p:par>
+        <p:cTn id="1" dur="indefinite" restart="never" nodeType="tmRoot">
+          <p:childTnLst>
+            <p:seq concurrent="1" nextAc="seek">
+              <p:cTn id="2" dur="indefinite" nodeType="mainSeq">
+                <p:childTnLst>
+                  <p:par>
+                    <p:cTn id="3" fill="hold">
+                      <p:stCondLst>
+                        <p:cond delay="indefinite"/>
+                      </p:stCondLst>
+                      <p:childTnLst>
+                        <p:par>
+                          <p:cTn id="4" fill="hold">
+                            <p:stCondLst>
+                              <p:cond delay="0"/>
+                            </p:stCondLst>
+                            <p:childTnLst>
+                              <p:par>
+                                <p:cTn id="5" presetID="2" presetClass="entr" presetSubtype="8" fill="hold" grpId="0" nodeType="clickEffect">
+                                  <p:stCondLst>
+                                    <p:cond delay="0"/>
+                                  </p:stCondLst>
+                                  <p:childTnLst>
+                                    <p:set>
+                                      <p:cBhvr>
+                                        <p:cTn id="6" dur="1" fill="hold">
+                                          <p:stCondLst>
+                                            <p:cond delay="0"/>
+                                          </p:stCondLst>
+                                        </p:cTn>
+                                        <p:tgtEl>
+                                          <p:spTgt spid="2"/>
+                                        </p:tgtEl>
+                                        <p:attrNameLst>
+                                          <p:attrName>style.visibility</p:attrName>
+                                        </p:attrNameLst>
+                                      </p:cBhvr>
+                                      <p:to>
+                                        <p:strVal val="visible"/>
+                                      </p:to>
+                                    </p:set>
+                                    <p:anim calcmode="lin" valueType="num">
+                                      <p:cBhvr additive="base">
+                                        <p:cTn id="7" dur="500" fill="hold"/>
+                                        <p:tgtEl>
+                                          <p:spTgt spid="2"/>
+                                        </p:tgtEl>
+                                        <p:attrNameLst>
+                                          <p:attrName>ppt_x</p:attrName>
+                                        </p:attrNameLst>
+                                      </p:cBhvr>
+                                      <p:tavLst>
+                                        <p:tav tm="0">
+                                          <p:val>
+                                            <p:strVal val="0-#ppt_w/2"/>
+                                          </p:val>
+                                        </p:tav>
+                                        <p:tav tm="100000">
+                                          <p:val>
+                                            <p:strVal val="#ppt_x"/>
+                                          </p:val>
+                                        </p:tav>
+                                      </p:tavLst>
+                                    </p:anim>
+                                    <p:anim calcmode="lin" valueType="num">
+                                      <p:cBhvr additive="base">
+                                        <p:cTn id="8" dur="500" fill="hold"/>
+                                        <p:tgtEl>
+                                          <p:spTgt spid="2"/>
+                                        </p:tgtEl>
+                                        <p:attrNameLst>
+                                          <p:attrName>ppt_y</p:attrName>
+                                        </p:attrNameLst>
+                                      </p:cBhvr>
+                                      <p:tavLst>
+                                        <p:tav tm="0">
+                                          <p:val>
+                                            <p:strVal val="#ppt_y"/>
+                                          </p:val>
+                                        </p:tav>
+                                        <p:tav tm="100000">
+                                          <p:val>
+                                            <p:strVal val="#ppt_y"/>
+                                          </p:val>
+                                        </p:tav>
+                                      </p:tavLst>
+                                    </p:anim>
+                                  </p:childTnLst>
+                                </p:cTn>
+                              </p:par>
+                            </p:childTnLst>
+                          </p:cTn>
+                        </p:par>
+                      </p:childTnLst>
+                    </p:cTn>
+                  </p:par>
+                  <p:par>
+                    <p:cTn id="9" fill="hold">
+                      <p:stCondLst>
+                        <p:cond delay="indefinite"/>
+                      </p:stCondLst>
+                      <p:childTnLst>
+                        <p:par>
+                          <p:cTn id="10" fill="hold">
+                            <p:stCondLst>
+                              <p:cond delay="0"/>
+                            </p:stCondLst>
+                            <p:childTnLst>
+                              <p:par>
+                                <p:cTn id="11" presetID="2" presetClass="entr" presetSubtype="8" fill="hold" grpId="0" nodeType="clickEffect">
+                                  <p:stCondLst>
+                                    <p:cond delay="0"/>
+                                  </p:stCondLst>
+                                  <p:childTnLst>
+                                    <p:set>
+                                      <p:cBhvr>
+                                        <p:cTn id="12" dur="1" fill="hold">
+                                          <p:stCondLst>
+                                            <p:cond delay="0"/>
+                                          </p:stCondLst>
+                                        </p:cTn>
+                                        <p:tgtEl>
+                                          <p:spTgt spid="3"/>
+                                        </p:tgtEl>
+                                        <p:attrNameLst>
+                                          <p:attrName>style.visibility</p:attrName>
+                                        </p:attrNameLst>
+                                      </p:cBhvr>
+                                      <p:to>
+                                        <p:strVal val="visible"/>
+                                      </p:to>
+                                    </p:set>
+                                    <p:anim calcmode="lin" valueType="num">
+                                      <p:cBhvr additive="base">
+                                        <p:cTn id="13" dur="500" fill="hold"/>
+                                        <p:tgtEl>
+                                          <p:spTgt spid="3"/>
+                                        </p:tgtEl>
+                                        <p:attrNameLst>
+                                          <p:attrName>ppt_x</p:attrName>
+                                        </p:attrNameLst>
+                                      </p:cBhvr>
+                                      <p:tavLst>
+                                        <p:tav tm="0">
+                                          <p:val>
+                                            <p:strVal val="0-#ppt_w/2"/>
+                                          </p:val>
+                                        </p:tav>
+                                        <p:tav tm="100000">
+                                          <p:val>
+                                            <p:strVal val="#ppt_x"/>
+                                          </p:val>
+                                        </p:tav>
+                                      </p:tavLst>
+                                    </p:anim>
+                                    <p:anim calcmode="lin" valueType="num">
+                                      <p:cBhvr additive="base">
+                                        <p:cTn id="14" dur="500" fill="hold"/>
+                                        <p:tgtEl>
+                                          <p:spTgt spid="3"/>
+                                        </p:tgtEl>
+                                        <p:attrNameLst>
+                                          <p:attrName>ppt_y</p:attrName>
+                                        </p:attrNameLst>
+                                      </p:cBhvr>
+                                      <p:tavLst>
+                                        <p:tav tm="0">
+                                          <p:val>
+                                            <p:strVal val="#ppt_y"/>
+                                          </p:val>
+                                        </p:tav>
+                                        <p:tav tm="100000">
+                                          <p:val>
+                                            <p:strVal val="#ppt_y"/>
+                                          </p:val>
+                                        </p:tav>
+                                      </p:tavLst>
+                                    </p:anim>
+                                  </p:childTnLst>
+                                </p:cTn>
+                              </p:par>
+                            </p:childTnLst>
+                          </p:cTn>
+                        </p:par>
+                      </p:childTnLst>
+                    </p:cTn>
+                  </p:par>
+                  <p:par>
+                    <p:cTn id="15" fill="hold">
+                      <p:stCondLst>
+                        <p:cond delay="indefinite"/>
+                      </p:stCondLst>
+                      <p:childTnLst>
+                        <p:par>
+                          <p:cTn id="16" fill="hold">
+                            <p:stCondLst>
+                              <p:cond delay="0"/>
+                            </p:stCondLst>
+                            <p:childTnLst>
+                              <p:par>
+                                <p:cTn id="17" presetID="2" presetClass="entr" presetSubtype="8" fill="hold" grpId="0" nodeType="clickEffect">
+                                  <p:stCondLst>
+                                    <p:cond delay="0"/>
+                                  </p:stCondLst>
+                                  <p:childTnLst>
+                                    <p:set>
+                                      <p:cBhvr>
+                                        <p:cTn id="18" dur="1" fill="hold">
+                                          <p:stCondLst>
+                                            <p:cond delay="0"/>
+                                          </p:stCondLst>
+                                        </p:cTn>
+                                        <p:tgtEl>
+                                          <p:spTgt spid="7"/>
+                                        </p:tgtEl>
+                                        <p:attrNameLst>
+                                          <p:attrName>style.visibility</p:attrName>
+                                        </p:attrNameLst>
+                                      </p:cBhvr>
+                                      <p:to>
+                                        <p:strVal val="visible"/>
+                                      </p:to>
+                                    </p:set>
+                                    <p:anim calcmode="lin" valueType="num">
+                                      <p:cBhvr additive="base">
+                                        <p:cTn id="19" dur="500" fill="hold"/>
+                                        <p:tgtEl>
+                                          <p:spTgt spid="7"/>
+                                        </p:tgtEl>
+                                        <p:attrNameLst>
+                                          <p:attrName>ppt_x</p:attrName>
+                                        </p:attrNameLst>
+                                      </p:cBhvr>
+                                      <p:tavLst>
+                                        <p:tav tm="0">
+                                          <p:val>
+                                            <p:strVal val="0-#ppt_w/2"/>
+                                          </p:val>
+                                        </p:tav>
+                                        <p:tav tm="100000">
+                                          <p:val>
+                                            <p:strVal val="#ppt_x"/>
+                                          </p:val>
+                                        </p:tav>
+                                      </p:tavLst>
+                                    </p:anim>
+                                    <p:anim calcmode="lin" valueType="num">
+                                      <p:cBhvr additive="base">
+                                        <p:cTn id="20" dur="500" fill="hold"/>
+                                        <p:tgtEl>
+                                          <p:spTgt spid="7"/>
+                                        </p:tgtEl>
+                                        <p:attrNameLst>
+                                          <p:attrName>ppt_y</p:attrName>
+                                        </p:attrNameLst>
+                                      </p:cBhvr>
+                                      <p:tavLst>
+                                        <p:tav tm="0">
+                                          <p:val>
+                                            <p:strVal val="#ppt_y"/>
+                                          </p:val>
+                                        </p:tav>
+                                        <p:tav tm="100000">
+                                          <p:val>
+                                            <p:strVal val="#ppt_y"/>
+                                          </p:val>
+                                        </p:tav>
+                                      </p:tavLst>
+                                    </p:anim>
+                                  </p:childTnLst>
+                                </p:cTn>
+                              </p:par>
+                            </p:childTnLst>
+                          </p:cTn>
+                        </p:par>
+                      </p:childTnLst>
+                    </p:cTn>
+                  </p:par>
+                  <p:par>
+                    <p:cTn id="21" fill="hold">
+                      <p:stCondLst>
+                        <p:cond delay="indefinite"/>
+                      </p:stCondLst>
+                      <p:childTnLst>
+                        <p:par>
+                          <p:cTn id="22" fill="hold">
+                            <p:stCondLst>
+                              <p:cond delay="0"/>
+                            </p:stCondLst>
+                            <p:childTnLst>
+                              <p:par>
+                                <p:cTn id="23" presetID="2" presetClass="entr" presetSubtype="8" fill="hold" grpId="0" nodeType="clickEffect">
+                                  <p:stCondLst>
+                                    <p:cond delay="0"/>
+                                  </p:stCondLst>
+                                  <p:childTnLst>
+                                    <p:set>
+                                      <p:cBhvr>
+                                        <p:cTn id="24" dur="1" fill="hold">
+                                          <p:stCondLst>
+                                            <p:cond delay="0"/>
+                                          </p:stCondLst>
+                                        </p:cTn>
+                                        <p:tgtEl>
+                                          <p:spTgt spid="8"/>
+                                        </p:tgtEl>
+                                        <p:attrNameLst>
+                                          <p:attrName>style.visibility</p:attrName>
+                                        </p:attrNameLst>
+                                      </p:cBhvr>
+                                      <p:to>
+                                        <p:strVal val="visible"/>
+                                      </p:to>
+                                    </p:set>
+                                    <p:anim calcmode="lin" valueType="num">
+                                      <p:cBhvr additive="base">
+                                        <p:cTn id="25" dur="500" fill="hold"/>
+                                        <p:tgtEl>
+                                          <p:spTgt spid="8"/>
+                                        </p:tgtEl>
+                                        <p:attrNameLst>
+                                          <p:attrName>ppt_x</p:attrName>
+                                        </p:attrNameLst>
+                                      </p:cBhvr>
+                                      <p:tavLst>
+                                        <p:tav tm="0">
+                                          <p:val>
+                                            <p:strVal val="0-#ppt_w/2"/>
+                                          </p:val>
+                                        </p:tav>
+                                        <p:tav tm="100000">
+                                          <p:val>
+                                            <p:strVal val="#ppt_x"/>
+                                          </p:val>
+                                        </p:tav>
+                                      </p:tavLst>
+                                    </p:anim>
+                                    <p:anim calcmode="lin" valueType="num">
+                                      <p:cBhvr additive="base">
+                                        <p:cTn id="26" dur="500" fill="hold"/>
+                                        <p:tgtEl>
+                                          <p:spTgt spid="8"/>
+                                        </p:tgtEl>
+                                        <p:attrNameLst>
+                                          <p:attrName>ppt_y</p:attrName>
+                                        </p:attrNameLst>
+                                      </p:cBhvr>
+                                      <p:tavLst>
+                                        <p:tav tm="0">
+                                          <p:val>
+                                            <p:strVal val="#ppt_y"/>
+                                          </p:val>
+                                        </p:tav>
+                                        <p:tav tm="100000">
+                                          <p:val>
+                                            <p:strVal val="#ppt_y"/>
+                                          </p:val>
+                                        </p:tav>
+                                      </p:tavLst>
+                                    </p:anim>
+                                  </p:childTnLst>
+                                </p:cTn>
+                              </p:par>
+                            </p:childTnLst>
+                          </p:cTn>
+                        </p:par>
+                      </p:childTnLst>
+                    </p:cTn>
+                  </p:par>
+                  <p:par>
+                    <p:cTn id="27" fill="hold">
+                      <p:stCondLst>
+                        <p:cond delay="indefinite"/>
+                      </p:stCondLst>
+                      <p:childTnLst>
+                        <p:par>
+                          <p:cTn id="28" fill="hold">
+                            <p:stCondLst>
+                              <p:cond delay="0"/>
+                            </p:stCondLst>
+                            <p:childTnLst>
+                              <p:par>
+                                <p:cTn id="29" presetID="2" presetClass="entr" presetSubtype="8" fill="hold" grpId="0" nodeType="clickEffect">
+                                  <p:stCondLst>
+                                    <p:cond delay="0"/>
+                                  </p:stCondLst>
+                                  <p:childTnLst>
+                                    <p:set>
+                                      <p:cBhvr>
+                                        <p:cTn id="30" dur="1" fill="hold">
+                                          <p:stCondLst>
+                                            <p:cond delay="0"/>
+                                          </p:stCondLst>
+                                        </p:cTn>
+                                        <p:tgtEl>
+                                          <p:spTgt spid="11"/>
+                                        </p:tgtEl>
+                                        <p:attrNameLst>
+                                          <p:attrName>style.visibility</p:attrName>
+                                        </p:attrNameLst>
+                                      </p:cBhvr>
+                                      <p:to>
+                                        <p:strVal val="visible"/>
+                                      </p:to>
+                                    </p:set>
+                                    <p:anim calcmode="lin" valueType="num">
+                                      <p:cBhvr additive="base">
+                                        <p:cTn id="31" dur="500" fill="hold"/>
+                                        <p:tgtEl>
+                                          <p:spTgt spid="11"/>
+                                        </p:tgtEl>
+                                        <p:attrNameLst>
+                                          <p:attrName>ppt_x</p:attrName>
+                                        </p:attrNameLst>
+                                      </p:cBhvr>
+                                      <p:tavLst>
+                                        <p:tav tm="0">
+                                          <p:val>
+                                            <p:strVal val="0-#ppt_w/2"/>
+                                          </p:val>
+                                        </p:tav>
+                                        <p:tav tm="100000">
+                                          <p:val>
+                                            <p:strVal val="#ppt_x"/>
+                                          </p:val>
+                                        </p:tav>
+                                      </p:tavLst>
+                                    </p:anim>
+                                    <p:anim calcmode="lin" valueType="num">
+                                      <p:cBhvr additive="base">
+                                        <p:cTn id="32" dur="500" fill="hold"/>
+                                        <p:tgtEl>
+                                          <p:spTgt spid="11"/>
+                                        </p:tgtEl>
+                                        <p:attrNameLst>
+                                          <p:attrName>ppt_y</p:attrName>
+                                        </p:attrNameLst>
+                                      </p:cBhvr>
+                                      <p:tavLst>
+                                        <p:tav tm="0">
+                                          <p:val>
+                                            <p:strVal val="#ppt_y"/>
+                                          </p:val>
+                                        </p:tav>
+                                        <p:tav tm="100000">
+                                          <p:val>
+                                            <p:strVal val="#ppt_y"/>
+                                          </p:val>
+                                        </p:tav>
+                                      </p:tavLst>
+                                    </p:anim>
+                                  </p:childTnLst>
+                                </p:cTn>
+                              </p:par>
+                            </p:childTnLst>
+                          </p:cTn>
+                        </p:par>
+                      </p:childTnLst>
+                    </p:cTn>
+                  </p:par>
+                  <p:par>
+                    <p:cTn id="33" fill="hold">
+                      <p:stCondLst>
+                        <p:cond delay="indefinite"/>
+                      </p:stCondLst>
+                      <p:childTnLst>
+                        <p:par>
+                          <p:cTn id="34" fill="hold">
+                            <p:stCondLst>
+                              <p:cond delay="0"/>
+                            </p:stCondLst>
+                            <p:childTnLst>
+                              <p:par>
+                                <p:cTn id="35" presetID="2" presetClass="entr" presetSubtype="8" fill="hold" grpId="0" nodeType="clickEffect">
+                                  <p:stCondLst>
+                                    <p:cond delay="0"/>
+                                  </p:stCondLst>
+                                  <p:childTnLst>
+                                    <p:set>
+                                      <p:cBhvr>
+                                        <p:cTn id="36" dur="1" fill="hold">
+                                          <p:stCondLst>
+                                            <p:cond delay="0"/>
+                                          </p:stCondLst>
+                                        </p:cTn>
+                                        <p:tgtEl>
+                                          <p:spTgt spid="12"/>
+                                        </p:tgtEl>
+                                        <p:attrNameLst>
+                                          <p:attrName>style.visibility</p:attrName>
+                                        </p:attrNameLst>
+                                      </p:cBhvr>
+                                      <p:to>
+                                        <p:strVal val="visible"/>
+                                      </p:to>
+                                    </p:set>
+                                    <p:anim calcmode="lin" valueType="num">
+                                      <p:cBhvr additive="base">
+                                        <p:cTn id="37" dur="500" fill="hold"/>
+                                        <p:tgtEl>
+                                          <p:spTgt spid="12"/>
+                                        </p:tgtEl>
+                                        <p:attrNameLst>
+                                          <p:attrName>ppt_x</p:attrName>
+                                        </p:attrNameLst>
+                                      </p:cBhvr>
+                                      <p:tavLst>
+                                        <p:tav tm="0">
+                                          <p:val>
+                                            <p:strVal val="0-#ppt_w/2"/>
+                                          </p:val>
+                                        </p:tav>
+                                        <p:tav tm="100000">
+                                          <p:val>
+                                            <p:strVal val="#ppt_x"/>
+                                          </p:val>
+                                        </p:tav>
+                                      </p:tavLst>
+                                    </p:anim>
+                                    <p:anim calcmode="lin" valueType="num">
+                                      <p:cBhvr additive="base">
+                                        <p:cTn id="38" dur="500" fill="hold"/>
+                                        <p:tgtEl>
+                                          <p:spTgt spid="12"/>
+                                        </p:tgtEl>
+                                        <p:attrNameLst>
+                                          <p:attrName>ppt_y</p:attrName>
+                                        </p:attrNameLst>
+                                      </p:cBhvr>
+                                      <p:tavLst>
+                                        <p:tav tm="0">
+                                          <p:val>
+                                            <p:strVal val="#ppt_y"/>
+                                          </p:val>
+                                        </p:tav>
+                                        <p:tav tm="100000">
+                                          <p:val>
+                                            <p:strVal val="#ppt_y"/>
+                                          </p:val>
+                                        </p:tav>
+                                      </p:tavLst>
+                                    </p:anim>
+                                  </p:childTnLst>
+                                </p:cTn>
+                              </p:par>
+                            </p:childTnLst>
+                          </p:cTn>
+                        </p:par>
+                      </p:childTnLst>
+                    </p:cTn>
+                  </p:par>
+                  <p:par>
+                    <p:cTn id="39" fill="hold">
+                      <p:stCondLst>
+                        <p:cond delay="indefinite"/>
+                      </p:stCondLst>
+                      <p:childTnLst>
+                        <p:par>
+                          <p:cTn id="40" fill="hold">
+                            <p:stCondLst>
+                              <p:cond delay="0"/>
+                            </p:stCondLst>
+                            <p:childTnLst>
+                              <p:par>
+                                <p:cTn id="41" presetID="2" presetClass="entr" presetSubtype="8" fill="hold" grpId="0" nodeType="clickEffect">
+                                  <p:stCondLst>
+                                    <p:cond delay="0"/>
+                                  </p:stCondLst>
+                                  <p:childTnLst>
+                                    <p:set>
+                                      <p:cBhvr>
+                                        <p:cTn id="42" dur="1" fill="hold">
+                                          <p:stCondLst>
+                                            <p:cond delay="0"/>
+                                          </p:stCondLst>
+                                        </p:cTn>
+                                        <p:tgtEl>
+                                          <p:spTgt spid="13"/>
+                                        </p:tgtEl>
+                                        <p:attrNameLst>
+                                          <p:attrName>style.visibility</p:attrName>
+                                        </p:attrNameLst>
+                                      </p:cBhvr>
+                                      <p:to>
+                                        <p:strVal val="visible"/>
+                                      </p:to>
+                                    </p:set>
+                                    <p:anim calcmode="lin" valueType="num">
+                                      <p:cBhvr additive="base">
+                                        <p:cTn id="43" dur="500" fill="hold"/>
+                                        <p:tgtEl>
+                                          <p:spTgt spid="13"/>
+                                        </p:tgtEl>
+                                        <p:attrNameLst>
+                                          <p:attrName>ppt_x</p:attrName>
+                                        </p:attrNameLst>
+                                      </p:cBhvr>
+                                      <p:tavLst>
+                                        <p:tav tm="0">
+                                          <p:val>
+                                            <p:strVal val="0-#ppt_w/2"/>
+                                          </p:val>
+                                        </p:tav>
+                                        <p:tav tm="100000">
+                                          <p:val>
+                                            <p:strVal val="#ppt_x"/>
+                                          </p:val>
+                                        </p:tav>
+                                      </p:tavLst>
+                                    </p:anim>
+                                    <p:anim calcmode="lin" valueType="num">
+                                      <p:cBhvr additive="base">
+                                        <p:cTn id="44" dur="500" fill="hold"/>
+                                        <p:tgtEl>
+                                          <p:spTgt spid="13"/>
+                                        </p:tgtEl>
+                                        <p:attrNameLst>
+                                          <p:attrName>ppt_y</p:attrName>
+                                        </p:attrNameLst>
+                                      </p:cBhvr>
+                                      <p:tavLst>
+                                        <p:tav tm="0">
+                                          <p:val>
+                                            <p:strVal val="#ppt_y"/>
+                                          </p:val>
+                                        </p:tav>
+                                        <p:tav tm="100000">
+                                          <p:val>
+                                            <p:strVal val="#ppt_y"/>
+                                          </p:val>
+                                        </p:tav>
+                                      </p:tavLst>
+                                    </p:anim>
+                                  </p:childTnLst>
+                                </p:cTn>
+                              </p:par>
+                            </p:childTnLst>
+                          </p:cTn>
+                        </p:par>
+                      </p:childTnLst>
+                    </p:cTn>
+                  </p:par>
+                  <p:par>
+                    <p:cTn id="45" fill="hold">
+                      <p:stCondLst>
+                        <p:cond delay="indefinite"/>
+                      </p:stCondLst>
+                      <p:childTnLst>
+                        <p:par>
+                          <p:cTn id="46" fill="hold">
+                            <p:stCondLst>
+                              <p:cond delay="0"/>
+                            </p:stCondLst>
+                            <p:childTnLst>
+                              <p:par>
+                                <p:cTn id="47" presetID="2" presetClass="entr" presetSubtype="8" fill="hold" grpId="0" nodeType="clickEffect">
+                                  <p:stCondLst>
+                                    <p:cond delay="0"/>
+                                  </p:stCondLst>
+                                  <p:childTnLst>
+                                    <p:set>
+                                      <p:cBhvr>
+                                        <p:cTn id="48" dur="1" fill="hold">
+                                          <p:stCondLst>
+                                            <p:cond delay="0"/>
+                                          </p:stCondLst>
+                                        </p:cTn>
+                                        <p:tgtEl>
+                                          <p:spTgt spid="14"/>
+                                        </p:tgtEl>
+                                        <p:attrNameLst>
+                                          <p:attrName>style.visibility</p:attrName>
+                                        </p:attrNameLst>
+                                      </p:cBhvr>
+                                      <p:to>
+                                        <p:strVal val="visible"/>
+                                      </p:to>
+                                    </p:set>
+                                    <p:anim calcmode="lin" valueType="num">
+                                      <p:cBhvr additive="base">
+                                        <p:cTn id="49" dur="500" fill="hold"/>
+                                        <p:tgtEl>
+                                          <p:spTgt spid="14"/>
+                                        </p:tgtEl>
+                                        <p:attrNameLst>
+                                          <p:attrName>ppt_x</p:attrName>
+                                        </p:attrNameLst>
+                                      </p:cBhvr>
+                                      <p:tavLst>
+                                        <p:tav tm="0">
+                                          <p:val>
+                                            <p:strVal val="0-#ppt_w/2"/>
+                                          </p:val>
+                                        </p:tav>
+                                        <p:tav tm="100000">
+                                          <p:val>
+                                            <p:strVal val="#ppt_x"/>
+                                          </p:val>
+                                        </p:tav>
+                                      </p:tavLst>
+                                    </p:anim>
+                                    <p:anim calcmode="lin" valueType="num">
+                                      <p:cBhvr additive="base">
+                                        <p:cTn id="50" dur="500" fill="hold"/>
+                                        <p:tgtEl>
+                                          <p:spTgt spid="14"/>
+                                        </p:tgtEl>
+                                        <p:attrNameLst>
+                                          <p:attrName>ppt_y</p:attrName>
+                                        </p:attrNameLst>
+                                      </p:cBhvr>
+                                      <p:tavLst>
+                                        <p:tav tm="0">
+                                          <p:val>
+                                            <p:strVal val="#ppt_y"/>
+                                          </p:val>
+                                        </p:tav>
+                                        <p:tav tm="100000">
+                                          <p:val>
+                                            <p:strVal val="#ppt_y"/>
+                                          </p:val>
+                                        </p:tav>
+                                      </p:tavLst>
+                                    </p:anim>
+                                  </p:childTnLst>
+                                </p:cTn>
+                              </p:par>
+                            </p:childTnLst>
+                          </p:cTn>
+                        </p:par>
+                      </p:childTnLst>
+                    </p:cTn>
+                  </p:par>
+                </p:childTnLst>
+              </p:cTn>
+              <p:prevCondLst>
+                <p:cond evt="onPrev" delay="0">
+                  <p:tgtEl>
+                    <p:sldTgt/>
+                  </p:tgtEl>
+                </p:cond>
+              </p:prevCondLst>
+              <p:nextCondLst>
+                <p:cond evt="onNext" delay="0">
+                  <p:tgtEl>
+                    <p:sldTgt/>
+                  </p:tgtEl>
+                </p:cond>
+              </p:nextCondLst>
+            </p:seq>
+          </p:childTnLst>
+        </p:cTn>
+      </p:par>
+    </p:tnLst>
+    <p:bldLst>
+      <p:bldP spid="2" grpId="0"/>
+      <p:bldP spid="3" grpId="0"/>
+      <p:bldP spid="7" grpId="0"/>
+      <p:bldP spid="8" grpId="0"/>
+      <p:bldP spid="11" grpId="0"/>
+      <p:bldP spid="12" grpId="0"/>
+      <p:bldP spid="13" grpId="0"/>
+      <p:bldP spid="14" grpId="0"/>
+    </p:bldLst>
+  </p:timing>
+</p:sld>
+</file>
+
+<file path=ppt/slides/slide5.xml><?xml version="1.0" encoding="utf-8"?>
+<p:sld xmlns:a="http://schemas.openxmlformats.org/drawingml/2006/main" xmlns:r="http://schemas.openxmlformats.org/officeDocument/2006/relationships" xmlns:p="http://schemas.openxmlformats.org/presentationml/2006/main">
+  <p:cSld>
+    <p:spTree>
+      <p:nvGrpSpPr>
+        <p:cNvPr id="1" name=""/>
+        <p:cNvGrpSpPr/>
+        <p:nvPr/>
+      </p:nvGrpSpPr>
+      <p:grpSpPr>
+        <a:xfrm>
+          <a:off x="0" y="0"/>
+          <a:ext cx="0" cy="0"/>
+          <a:chOff x="0" y="0"/>
+          <a:chExt cx="0" cy="0"/>
+        </a:xfrm>
+      </p:grpSpPr>
+      <p:sp>
+        <p:nvSpPr>
+          <p:cNvPr id="2" name="Title 1"/>
+          <p:cNvSpPr>
+            <a:spLocks noGrp="1"/>
+          </p:cNvSpPr>
+          <p:nvPr>
+            <p:ph type="ctrTitle"/>
+          </p:nvPr>
+        </p:nvSpPr>
+        <p:spPr>
+          <a:xfrm>
+            <a:off x="976820" y="1024716"/>
+            <a:ext cx="8544560" cy="806272"/>
+          </a:xfrm>
+        </p:spPr>
+        <p:txBody>
+          <a:bodyPr anchor="b"/>
+          <a:lstStyle/>
+          <a:p>
+            <a:pPr marL="742950" indent="-742950">
+              <a:buFont typeface="+mj-lt"/>
+              <a:buAutoNum type="arabicPeriod" startAt="8"/>
+            </a:pPr>
+            <a:r>
+              <a:rPr lang="en-US" sz="3600" dirty="0" smtClean="0">
+                <a:latin typeface="Arial Black" panose="020B0A04020102020204" pitchFamily="34" charset="0"/>
+              </a:rPr>
+              <a:t>MANUAL JOB ORDER NO.</a:t>
+            </a:r>
+            <a:endParaRPr lang="en-US" sz="3600" dirty="0">
+              <a:latin typeface="Arial Black" panose="020B0A04020102020204" pitchFamily="34" charset="0"/>
+            </a:endParaRPr>
+          </a:p>
+        </p:txBody>
+      </p:sp>
+      <p:sp>
+        <p:nvSpPr>
+          <p:cNvPr id="3" name="Title 1"/>
+          <p:cNvSpPr txBox="1">
+            <a:spLocks/>
+          </p:cNvSpPr>
+          <p:nvPr/>
+        </p:nvSpPr>
+        <p:spPr>
+          <a:xfrm>
+            <a:off x="976820" y="1921699"/>
+            <a:ext cx="7412446" cy="806272"/>
+          </a:xfrm>
+          <a:prstGeom prst="rect">
+            <a:avLst/>
+          </a:prstGeom>
+        </p:spPr>
+        <p:txBody>
+          <a:bodyPr vert="horz" lIns="91440" tIns="45720" rIns="91440" bIns="45720" rtlCol="0" anchor="b">
+            <a:noAutofit/>
+          </a:bodyPr>
+          <a:lstStyle>
+            <a:lvl1pPr algn="l" defTabSz="457200" rtl="0" eaLnBrk="1" latinLnBrk="0" hangingPunct="1">
+              <a:spcBef>
+                <a:spcPct val="0"/>
+              </a:spcBef>
+              <a:buNone/>
+              <a:defRPr sz="7200" b="0" i="0" kern="1200">
+                <a:solidFill>
+                  <a:schemeClr val="tx2"/>
+                </a:solidFill>
+                <a:latin typeface="+mj-lt"/>
+                <a:ea typeface="+mj-ea"/>
+                <a:cs typeface="+mj-cs"/>
+              </a:defRPr>
+            </a:lvl1pPr>
+            <a:lvl2pPr eaLnBrk="1" hangingPunct="1">
+              <a:defRPr>
+                <a:solidFill>
+                  <a:schemeClr val="tx2"/>
+                </a:solidFill>
+              </a:defRPr>
+            </a:lvl2pPr>
+            <a:lvl3pPr eaLnBrk="1" hangingPunct="1">
+              <a:defRPr>
+                <a:solidFill>
+                  <a:schemeClr val="tx2"/>
+                </a:solidFill>
+              </a:defRPr>
+            </a:lvl3pPr>
+            <a:lvl4pPr eaLnBrk="1" hangingPunct="1">
+              <a:defRPr>
+                <a:solidFill>
+                  <a:schemeClr val="tx2"/>
+                </a:solidFill>
+              </a:defRPr>
+            </a:lvl4pPr>
+            <a:lvl5pPr eaLnBrk="1" hangingPunct="1">
+              <a:defRPr>
+                <a:solidFill>
+                  <a:schemeClr val="tx2"/>
+                </a:solidFill>
+              </a:defRPr>
+            </a:lvl5pPr>
+            <a:lvl6pPr eaLnBrk="1" hangingPunct="1">
+              <a:defRPr>
+                <a:solidFill>
+                  <a:schemeClr val="tx2"/>
+                </a:solidFill>
+              </a:defRPr>
+            </a:lvl6pPr>
+            <a:lvl7pPr eaLnBrk="1" hangingPunct="1">
+              <a:defRPr>
+                <a:solidFill>
+                  <a:schemeClr val="tx2"/>
+                </a:solidFill>
+              </a:defRPr>
+            </a:lvl7pPr>
+            <a:lvl8pPr eaLnBrk="1" hangingPunct="1">
+              <a:defRPr>
+                <a:solidFill>
+                  <a:schemeClr val="tx2"/>
+                </a:solidFill>
+              </a:defRPr>
+            </a:lvl8pPr>
+            <a:lvl9pPr eaLnBrk="1" hangingPunct="1">
+              <a:defRPr>
+                <a:solidFill>
+                  <a:schemeClr val="tx2"/>
+                </a:solidFill>
+              </a:defRPr>
+            </a:lvl9pPr>
+          </a:lstStyle>
+          <a:p>
+            <a:pPr marL="742950" indent="-742950">
+              <a:buFont typeface="+mj-lt"/>
+              <a:buAutoNum type="arabicPeriod" startAt="9"/>
+            </a:pPr>
+            <a:r>
+              <a:rPr lang="en-US" sz="3600" dirty="0" smtClean="0">
+                <a:latin typeface="Arial Black" panose="020B0A04020102020204" pitchFamily="34" charset="0"/>
+              </a:rPr>
+              <a:t>ICD STAFF</a:t>
+            </a:r>
+            <a:endParaRPr lang="en-US" sz="3600" dirty="0">
+              <a:latin typeface="Arial Black" panose="020B0A04020102020204" pitchFamily="34" charset="0"/>
+            </a:endParaRPr>
+          </a:p>
+        </p:txBody>
+      </p:sp>
+      <p:sp>
+        <p:nvSpPr>
+          <p:cNvPr id="4" name="Title 1"/>
+          <p:cNvSpPr txBox="1">
+            <a:spLocks/>
+          </p:cNvSpPr>
+          <p:nvPr/>
+        </p:nvSpPr>
+        <p:spPr>
+          <a:xfrm>
+            <a:off x="976820" y="2818682"/>
+            <a:ext cx="6858001" cy="806272"/>
+          </a:xfrm>
+          <a:prstGeom prst="rect">
+            <a:avLst/>
+          </a:prstGeom>
+        </p:spPr>
+        <p:txBody>
+          <a:bodyPr vert="horz" lIns="91440" tIns="45720" rIns="91440" bIns="45720" rtlCol="0" anchor="b">
+            <a:noAutofit/>
+          </a:bodyPr>
+          <a:lstStyle>
+            <a:lvl1pPr algn="l" defTabSz="457200" rtl="0" eaLnBrk="1" latinLnBrk="0" hangingPunct="1">
+              <a:spcBef>
+                <a:spcPct val="0"/>
+              </a:spcBef>
+              <a:buNone/>
+              <a:defRPr sz="7200" b="0" i="0" kern="1200">
+                <a:solidFill>
+                  <a:schemeClr val="tx2"/>
+                </a:solidFill>
+                <a:latin typeface="+mj-lt"/>
+                <a:ea typeface="+mj-ea"/>
+                <a:cs typeface="+mj-cs"/>
+              </a:defRPr>
+            </a:lvl1pPr>
+            <a:lvl2pPr eaLnBrk="1" hangingPunct="1">
+              <a:defRPr>
+                <a:solidFill>
+                  <a:schemeClr val="tx2"/>
+                </a:solidFill>
+              </a:defRPr>
+            </a:lvl2pPr>
+            <a:lvl3pPr eaLnBrk="1" hangingPunct="1">
+              <a:defRPr>
+                <a:solidFill>
+                  <a:schemeClr val="tx2"/>
+                </a:solidFill>
+              </a:defRPr>
+            </a:lvl3pPr>
+            <a:lvl4pPr eaLnBrk="1" hangingPunct="1">
+              <a:defRPr>
+                <a:solidFill>
+                  <a:schemeClr val="tx2"/>
+                </a:solidFill>
+              </a:defRPr>
+            </a:lvl4pPr>
+            <a:lvl5pPr eaLnBrk="1" hangingPunct="1">
+              <a:defRPr>
+                <a:solidFill>
+                  <a:schemeClr val="tx2"/>
+                </a:solidFill>
+              </a:defRPr>
+            </a:lvl5pPr>
+            <a:lvl6pPr eaLnBrk="1" hangingPunct="1">
+              <a:defRPr>
+                <a:solidFill>
+                  <a:schemeClr val="tx2"/>
+                </a:solidFill>
+              </a:defRPr>
+            </a:lvl6pPr>
+            <a:lvl7pPr eaLnBrk="1" hangingPunct="1">
+              <a:defRPr>
+                <a:solidFill>
+                  <a:schemeClr val="tx2"/>
+                </a:solidFill>
+              </a:defRPr>
+            </a:lvl7pPr>
+            <a:lvl8pPr eaLnBrk="1" hangingPunct="1">
+              <a:defRPr>
+                <a:solidFill>
+                  <a:schemeClr val="tx2"/>
+                </a:solidFill>
+              </a:defRPr>
+            </a:lvl8pPr>
+            <a:lvl9pPr eaLnBrk="1" hangingPunct="1">
+              <a:defRPr>
+                <a:solidFill>
+                  <a:schemeClr val="tx2"/>
+                </a:solidFill>
+              </a:defRPr>
+            </a:lvl9pPr>
+          </a:lstStyle>
+          <a:p>
+            <a:pPr marL="742950" indent="-742950">
+              <a:buFont typeface="+mj-lt"/>
+              <a:buAutoNum type="arabicPeriod" startAt="10"/>
+            </a:pPr>
+            <a:r>
+              <a:rPr lang="en-US" sz="3600" dirty="0">
+                <a:latin typeface="Arial Black" panose="020B0A04020102020204" pitchFamily="34" charset="0"/>
+              </a:rPr>
+              <a:t> </a:t>
+            </a:r>
+            <a:r>
+              <a:rPr lang="en-US" sz="3600" dirty="0" smtClean="0">
+                <a:latin typeface="Arial Black" panose="020B0A04020102020204" pitchFamily="34" charset="0"/>
+              </a:rPr>
+              <a:t>CC MANAGER</a:t>
+            </a:r>
+            <a:endParaRPr lang="en-US" sz="3600" dirty="0">
+              <a:latin typeface="Arial Black" panose="020B0A04020102020204" pitchFamily="34" charset="0"/>
+            </a:endParaRPr>
+          </a:p>
+        </p:txBody>
+      </p:sp>
+      <p:sp>
+        <p:nvSpPr>
+          <p:cNvPr id="5" name="Title 1"/>
+          <p:cNvSpPr txBox="1">
+            <a:spLocks/>
+          </p:cNvSpPr>
+          <p:nvPr/>
+        </p:nvSpPr>
+        <p:spPr>
+          <a:xfrm>
+            <a:off x="976820" y="3479814"/>
+            <a:ext cx="10895866" cy="806272"/>
+          </a:xfrm>
+          <a:prstGeom prst="rect">
+            <a:avLst/>
+          </a:prstGeom>
+        </p:spPr>
+        <p:txBody>
+          <a:bodyPr vert="horz" lIns="91440" tIns="45720" rIns="91440" bIns="45720" rtlCol="0" anchor="b">
+            <a:noAutofit/>
+          </a:bodyPr>
+          <a:lstStyle>
+            <a:lvl1pPr algn="l" defTabSz="457200" rtl="0" eaLnBrk="1" latinLnBrk="0" hangingPunct="1">
+              <a:spcBef>
+                <a:spcPct val="0"/>
+              </a:spcBef>
+              <a:buNone/>
+              <a:defRPr sz="7200" b="0" i="0" kern="1200">
+                <a:solidFill>
+                  <a:schemeClr val="tx2"/>
+                </a:solidFill>
+                <a:latin typeface="+mj-lt"/>
+                <a:ea typeface="+mj-ea"/>
+                <a:cs typeface="+mj-cs"/>
+              </a:defRPr>
+            </a:lvl1pPr>
+            <a:lvl2pPr eaLnBrk="1" hangingPunct="1">
+              <a:defRPr>
+                <a:solidFill>
+                  <a:schemeClr val="tx2"/>
+                </a:solidFill>
+              </a:defRPr>
+            </a:lvl2pPr>
+            <a:lvl3pPr eaLnBrk="1" hangingPunct="1">
+              <a:defRPr>
+                <a:solidFill>
+                  <a:schemeClr val="tx2"/>
+                </a:solidFill>
+              </a:defRPr>
+            </a:lvl3pPr>
+            <a:lvl4pPr eaLnBrk="1" hangingPunct="1">
+              <a:defRPr>
+                <a:solidFill>
+                  <a:schemeClr val="tx2"/>
+                </a:solidFill>
+              </a:defRPr>
+            </a:lvl4pPr>
+            <a:lvl5pPr eaLnBrk="1" hangingPunct="1">
+              <a:defRPr>
+                <a:solidFill>
+                  <a:schemeClr val="tx2"/>
+                </a:solidFill>
+              </a:defRPr>
+            </a:lvl5pPr>
+            <a:lvl6pPr eaLnBrk="1" hangingPunct="1">
+              <a:defRPr>
+                <a:solidFill>
+                  <a:schemeClr val="tx2"/>
+                </a:solidFill>
+              </a:defRPr>
+            </a:lvl6pPr>
+            <a:lvl7pPr eaLnBrk="1" hangingPunct="1">
+              <a:defRPr>
+                <a:solidFill>
+                  <a:schemeClr val="tx2"/>
+                </a:solidFill>
+              </a:defRPr>
+            </a:lvl7pPr>
+            <a:lvl8pPr eaLnBrk="1" hangingPunct="1">
+              <a:defRPr>
+                <a:solidFill>
+                  <a:schemeClr val="tx2"/>
+                </a:solidFill>
+              </a:defRPr>
+            </a:lvl8pPr>
+            <a:lvl9pPr eaLnBrk="1" hangingPunct="1">
+              <a:defRPr>
+                <a:solidFill>
+                  <a:schemeClr val="tx2"/>
+                </a:solidFill>
+              </a:defRPr>
+            </a:lvl9pPr>
+          </a:lstStyle>
+          <a:p>
+            <a:r>
+              <a:rPr lang="en-US" sz="3600" dirty="0" smtClean="0">
+                <a:latin typeface="Arial Black" panose="020B0A04020102020204" pitchFamily="34" charset="0"/>
+              </a:rPr>
+              <a:t>	   (CREDIT &amp; COLLECTION MANAGER)</a:t>
+            </a:r>
+            <a:endParaRPr lang="en-US" sz="3600" dirty="0">
+              <a:latin typeface="Arial Black" panose="020B0A04020102020204" pitchFamily="34" charset="0"/>
+            </a:endParaRPr>
+          </a:p>
+        </p:txBody>
+      </p:sp>
+    </p:spTree>
+    <p:extLst>
+      <p:ext uri="{BB962C8B-B14F-4D97-AF65-F5344CB8AC3E}">
+        <p14:creationId xmlns:p14="http://schemas.microsoft.com/office/powerpoint/2010/main" val="2039561758"/>
+      </p:ext>
+    </p:extLst>
+  </p:cSld>
+  <p:clrMapOvr>
+    <a:masterClrMapping/>
+  </p:clrMapOvr>
+  <p:transition spd="slow">
+    <p:push dir="r"/>
+  </p:transition>
+  <p:timing>
+    <p:tnLst>
+      <p:par>
+        <p:cTn id="1" dur="indefinite" restart="never" nodeType="tmRoot">
+          <p:childTnLst>
+            <p:seq concurrent="1" nextAc="seek">
+              <p:cTn id="2" dur="indefinite" nodeType="mainSeq">
+                <p:childTnLst>
+                  <p:par>
+                    <p:cTn id="3" fill="hold">
+                      <p:stCondLst>
+                        <p:cond delay="indefinite"/>
+                      </p:stCondLst>
+                      <p:childTnLst>
+                        <p:par>
+                          <p:cTn id="4" fill="hold">
+                            <p:stCondLst>
+                              <p:cond delay="0"/>
+                            </p:stCondLst>
+                            <p:childTnLst>
+                              <p:par>
+                                <p:cTn id="5" presetID="2" presetClass="entr" presetSubtype="8" fill="hold" grpId="0" nodeType="clickEffect">
+                                  <p:stCondLst>
+                                    <p:cond delay="0"/>
+                                  </p:stCondLst>
+                                  <p:childTnLst>
+                                    <p:set>
+                                      <p:cBhvr>
+                                        <p:cTn id="6" dur="1" fill="hold">
+                                          <p:stCondLst>
+                                            <p:cond delay="0"/>
+                                          </p:stCondLst>
+                                        </p:cTn>
+                                        <p:tgtEl>
+                                          <p:spTgt spid="2"/>
+                                        </p:tgtEl>
+                                        <p:attrNameLst>
+                                          <p:attrName>style.visibility</p:attrName>
+                                        </p:attrNameLst>
+                                      </p:cBhvr>
+                                      <p:to>
+                                        <p:strVal val="visible"/>
+                                      </p:to>
+                                    </p:set>
+                                    <p:anim calcmode="lin" valueType="num">
+                                      <p:cBhvr additive="base">
+                                        <p:cTn id="7" dur="500" fill="hold"/>
+                                        <p:tgtEl>
+                                          <p:spTgt spid="2"/>
+                                        </p:tgtEl>
+                                        <p:attrNameLst>
+                                          <p:attrName>ppt_x</p:attrName>
+                                        </p:attrNameLst>
+                                      </p:cBhvr>
+                                      <p:tavLst>
+                                        <p:tav tm="0">
+                                          <p:val>
+                                            <p:strVal val="0-#ppt_w/2"/>
+                                          </p:val>
+                                        </p:tav>
+                                        <p:tav tm="100000">
+                                          <p:val>
+                                            <p:strVal val="#ppt_x"/>
+                                          </p:val>
+                                        </p:tav>
+                                      </p:tavLst>
+                                    </p:anim>
+                                    <p:anim calcmode="lin" valueType="num">
+                                      <p:cBhvr additive="base">
+                                        <p:cTn id="8" dur="500" fill="hold"/>
+                                        <p:tgtEl>
+                                          <p:spTgt spid="2"/>
+                                        </p:tgtEl>
+                                        <p:attrNameLst>
+                                          <p:attrName>ppt_y</p:attrName>
+                                        </p:attrNameLst>
+                                      </p:cBhvr>
+                                      <p:tavLst>
+                                        <p:tav tm="0">
+                                          <p:val>
+                                            <p:strVal val="#ppt_y"/>
+                                          </p:val>
+                                        </p:tav>
+                                        <p:tav tm="100000">
+                                          <p:val>
+                                            <p:strVal val="#ppt_y"/>
+                                          </p:val>
+                                        </p:tav>
+                                      </p:tavLst>
+                                    </p:anim>
+                                  </p:childTnLst>
+                                </p:cTn>
+                              </p:par>
+                            </p:childTnLst>
+                          </p:cTn>
+                        </p:par>
+                      </p:childTnLst>
+                    </p:cTn>
+                  </p:par>
+                  <p:par>
+                    <p:cTn id="9" fill="hold">
+                      <p:stCondLst>
+                        <p:cond delay="indefinite"/>
+                      </p:stCondLst>
+                      <p:childTnLst>
+                        <p:par>
+                          <p:cTn id="10" fill="hold">
+                            <p:stCondLst>
+                              <p:cond delay="0"/>
+                            </p:stCondLst>
+                            <p:childTnLst>
+                              <p:par>
+                                <p:cTn id="11" presetID="2" presetClass="entr" presetSubtype="8" fill="hold" grpId="0" nodeType="clickEffect">
+                                  <p:stCondLst>
+                                    <p:cond delay="0"/>
+                                  </p:stCondLst>
+                                  <p:childTnLst>
+                                    <p:set>
+                                      <p:cBhvr>
+                                        <p:cTn id="12" dur="1" fill="hold">
+                                          <p:stCondLst>
+                                            <p:cond delay="0"/>
+                                          </p:stCondLst>
+                                        </p:cTn>
+                                        <p:tgtEl>
+                                          <p:spTgt spid="3"/>
+                                        </p:tgtEl>
+                                        <p:attrNameLst>
+                                          <p:attrName>style.visibility</p:attrName>
+                                        </p:attrNameLst>
+                                      </p:cBhvr>
+                                      <p:to>
+                                        <p:strVal val="visible"/>
+                                      </p:to>
+                                    </p:set>
+                                    <p:anim calcmode="lin" valueType="num">
+                                      <p:cBhvr additive="base">
+                                        <p:cTn id="13" dur="500" fill="hold"/>
+                                        <p:tgtEl>
+                                          <p:spTgt spid="3"/>
+                                        </p:tgtEl>
+                                        <p:attrNameLst>
+                                          <p:attrName>ppt_x</p:attrName>
+                                        </p:attrNameLst>
+                                      </p:cBhvr>
+                                      <p:tavLst>
+                                        <p:tav tm="0">
+                                          <p:val>
+                                            <p:strVal val="0-#ppt_w/2"/>
+                                          </p:val>
+                                        </p:tav>
+                                        <p:tav tm="100000">
+                                          <p:val>
+                                            <p:strVal val="#ppt_x"/>
+                                          </p:val>
+                                        </p:tav>
+                                      </p:tavLst>
+                                    </p:anim>
+                                    <p:anim calcmode="lin" valueType="num">
+                                      <p:cBhvr additive="base">
+                                        <p:cTn id="14" dur="500" fill="hold"/>
+                                        <p:tgtEl>
+                                          <p:spTgt spid="3"/>
+                                        </p:tgtEl>
+                                        <p:attrNameLst>
+                                          <p:attrName>ppt_y</p:attrName>
+                                        </p:attrNameLst>
+                                      </p:cBhvr>
+                                      <p:tavLst>
+                                        <p:tav tm="0">
+                                          <p:val>
+                                            <p:strVal val="#ppt_y"/>
+                                          </p:val>
+                                        </p:tav>
+                                        <p:tav tm="100000">
+                                          <p:val>
+                                            <p:strVal val="#ppt_y"/>
+                                          </p:val>
+                                        </p:tav>
+                                      </p:tavLst>
+                                    </p:anim>
+                                  </p:childTnLst>
+                                </p:cTn>
+                              </p:par>
+                            </p:childTnLst>
+                          </p:cTn>
+                        </p:par>
+                      </p:childTnLst>
+                    </p:cTn>
+                  </p:par>
+                  <p:par>
+                    <p:cTn id="15" fill="hold">
+                      <p:stCondLst>
+                        <p:cond delay="indefinite"/>
+                      </p:stCondLst>
+                      <p:childTnLst>
+                        <p:par>
+                          <p:cTn id="16" fill="hold">
+                            <p:stCondLst>
+                              <p:cond delay="0"/>
+                            </p:stCondLst>
+                            <p:childTnLst>
+                              <p:par>
+                                <p:cTn id="17" presetID="2" presetClass="entr" presetSubtype="8" fill="hold" grpId="0" nodeType="clickEffect">
+                                  <p:stCondLst>
+                                    <p:cond delay="0"/>
+                                  </p:stCondLst>
+                                  <p:childTnLst>
+                                    <p:set>
+                                      <p:cBhvr>
+                                        <p:cTn id="18" dur="1" fill="hold">
+                                          <p:stCondLst>
+                                            <p:cond delay="0"/>
+                                          </p:stCondLst>
+                                        </p:cTn>
+                                        <p:tgtEl>
+                                          <p:spTgt spid="4"/>
+                                        </p:tgtEl>
+                                        <p:attrNameLst>
+                                          <p:attrName>style.visibility</p:attrName>
+                                        </p:attrNameLst>
+                                      </p:cBhvr>
+                                      <p:to>
+                                        <p:strVal val="visible"/>
+                                      </p:to>
+                                    </p:set>
+                                    <p:anim calcmode="lin" valueType="num">
+                                      <p:cBhvr additive="base">
+                                        <p:cTn id="19" dur="500" fill="hold"/>
+                                        <p:tgtEl>
+                                          <p:spTgt spid="4"/>
+                                        </p:tgtEl>
+                                        <p:attrNameLst>
+                                          <p:attrName>ppt_x</p:attrName>
+                                        </p:attrNameLst>
+                                      </p:cBhvr>
+                                      <p:tavLst>
+                                        <p:tav tm="0">
+                                          <p:val>
+                                            <p:strVal val="0-#ppt_w/2"/>
+                                          </p:val>
+                                        </p:tav>
+                                        <p:tav tm="100000">
+                                          <p:val>
+                                            <p:strVal val="#ppt_x"/>
+                                          </p:val>
+                                        </p:tav>
+                                      </p:tavLst>
+                                    </p:anim>
+                                    <p:anim calcmode="lin" valueType="num">
+                                      <p:cBhvr additive="base">
+                                        <p:cTn id="20" dur="500" fill="hold"/>
+                                        <p:tgtEl>
+                                          <p:spTgt spid="4"/>
+                                        </p:tgtEl>
+                                        <p:attrNameLst>
+                                          <p:attrName>ppt_y</p:attrName>
+                                        </p:attrNameLst>
+                                      </p:cBhvr>
+                                      <p:tavLst>
+                                        <p:tav tm="0">
+                                          <p:val>
+                                            <p:strVal val="#ppt_y"/>
+                                          </p:val>
+                                        </p:tav>
+                                        <p:tav tm="100000">
+                                          <p:val>
+                                            <p:strVal val="#ppt_y"/>
+                                          </p:val>
+                                        </p:tav>
+                                      </p:tavLst>
+                                    </p:anim>
+                                  </p:childTnLst>
+                                </p:cTn>
+                              </p:par>
+                            </p:childTnLst>
+                          </p:cTn>
+                        </p:par>
+                      </p:childTnLst>
+                    </p:cTn>
+                  </p:par>
+                  <p:par>
+                    <p:cTn id="21" fill="hold">
+                      <p:stCondLst>
+                        <p:cond delay="indefinite"/>
+                      </p:stCondLst>
+                      <p:childTnLst>
+                        <p:par>
+                          <p:cTn id="22" fill="hold">
+                            <p:stCondLst>
+                              <p:cond delay="0"/>
+                            </p:stCondLst>
+                            <p:childTnLst>
+                              <p:par>
+                                <p:cTn id="23" presetID="2" presetClass="entr" presetSubtype="8" fill="hold" grpId="0" nodeType="clickEffect">
+                                  <p:stCondLst>
+                                    <p:cond delay="0"/>
+                                  </p:stCondLst>
+                                  <p:childTnLst>
+                                    <p:set>
+                                      <p:cBhvr>
+                                        <p:cTn id="24" dur="1" fill="hold">
+                                          <p:stCondLst>
+                                            <p:cond delay="0"/>
+                                          </p:stCondLst>
+                                        </p:cTn>
+                                        <p:tgtEl>
+                                          <p:spTgt spid="5"/>
+                                        </p:tgtEl>
+                                        <p:attrNameLst>
+                                          <p:attrName>style.visibility</p:attrName>
+                                        </p:attrNameLst>
+                                      </p:cBhvr>
+                                      <p:to>
+                                        <p:strVal val="visible"/>
+                                      </p:to>
+                                    </p:set>
+                                    <p:anim calcmode="lin" valueType="num">
+                                      <p:cBhvr additive="base">
+                                        <p:cTn id="25" dur="500" fill="hold"/>
+                                        <p:tgtEl>
+                                          <p:spTgt spid="5"/>
+                                        </p:tgtEl>
+                                        <p:attrNameLst>
+                                          <p:attrName>ppt_x</p:attrName>
+                                        </p:attrNameLst>
+                                      </p:cBhvr>
+                                      <p:tavLst>
+                                        <p:tav tm="0">
+                                          <p:val>
+                                            <p:strVal val="0-#ppt_w/2"/>
+                                          </p:val>
+                                        </p:tav>
+                                        <p:tav tm="100000">
+                                          <p:val>
+                                            <p:strVal val="#ppt_x"/>
+                                          </p:val>
+                                        </p:tav>
+                                      </p:tavLst>
+                                    </p:anim>
+                                    <p:anim calcmode="lin" valueType="num">
+                                      <p:cBhvr additive="base">
+                                        <p:cTn id="26" dur="500" fill="hold"/>
+                                        <p:tgtEl>
+                                          <p:spTgt spid="5"/>
                                         </p:tgtEl>
                                         <p:attrNameLst>
                                           <p:attrName>ppt_y</p:attrName>
@@ -8080,13 +11377,12 @@
       <p:bldP spid="3" grpId="0"/>
       <p:bldP spid="4" grpId="0"/>
       <p:bldP spid="5" grpId="0"/>
-      <p:bldP spid="6" grpId="0"/>
     </p:bldLst>
   </p:timing>
 </p:sld>
 </file>
 
-<file path=ppt/slides/slide4.xml><?xml version="1.0" encoding="utf-8"?>
+<file path=ppt/slides/slide6.xml><?xml version="1.0" encoding="utf-8"?>
 <p:sld xmlns:a="http://schemas.openxmlformats.org/drawingml/2006/main" xmlns:r="http://schemas.openxmlformats.org/officeDocument/2006/relationships" xmlns:p="http://schemas.openxmlformats.org/presentationml/2006/main">
   <p:cSld>
     <p:spTree>
